--- a/apresentação projeto P.I.pptx
+++ b/apresentação projeto P.I.pptx
@@ -230,7 +230,7 @@
             <a:pPr rtl="0"/>
             <a:fld id="{2664B297-F6F8-4E83-AC5A-09FA19B12420}" type="datetime1">
               <a:rPr lang="pt-BR" smtClean="0"/>
-              <a:t>15/09/2020</a:t>
+              <a:t>16/09/2020</a:t>
             </a:fld>
             <a:endParaRPr lang="pt-BR" dirty="0"/>
           </a:p>
@@ -400,7 +400,7 @@
             <a:pPr rtl="0"/>
             <a:fld id="{60C04C3C-52DF-4C42-9D3E-7787B0D3805D}" type="datetime1">
               <a:rPr lang="pt-BR" smtClean="0"/>
-              <a:t>15/09/2020</a:t>
+              <a:t>16/09/2020</a:t>
             </a:fld>
             <a:endParaRPr lang="pt-BR" dirty="0"/>
           </a:p>
@@ -896,7 +896,7 @@
             <a:pPr rtl="0"/>
             <a:fld id="{A2FCC8D6-5208-44B1-A754-A53D2EABD1BA}" type="datetime1">
               <a:rPr lang="pt-BR" smtClean="0"/>
-              <a:t>15/09/2020</a:t>
+              <a:t>16/09/2020</a:t>
             </a:fld>
             <a:endParaRPr lang="pt-BR" dirty="0"/>
           </a:p>
@@ -1006,7 +1006,7 @@
             <a:pPr rtl="0"/>
             <a:fld id="{E9FAA3C4-6BFB-46B6-AD14-4E272C8B70E0}" type="datetime1">
               <a:rPr lang="pt-BR" smtClean="0"/>
-              <a:t>15/09/2020</a:t>
+              <a:t>16/09/2020</a:t>
             </a:fld>
             <a:endParaRPr lang="pt-BR" dirty="0"/>
           </a:p>
@@ -1308,7 +1308,7 @@
             <a:pPr rtl="0"/>
             <a:fld id="{FEF4D2A1-347D-43E3-ADFC-5DC12E75D370}" type="datetime1">
               <a:rPr lang="pt-BR" smtClean="0"/>
-              <a:t>15/09/2020</a:t>
+              <a:t>16/09/2020</a:t>
             </a:fld>
             <a:endParaRPr lang="pt-BR" dirty="0"/>
           </a:p>
@@ -1818,7 +1818,7 @@
             <a:pPr rtl="0"/>
             <a:fld id="{7134FB5F-191C-4728-971F-69DBE6E17FF7}" type="datetime1">
               <a:rPr lang="pt-BR" noProof="0" smtClean="0"/>
-              <a:t>15/09/2020</a:t>
+              <a:t>16/09/2020</a:t>
             </a:fld>
             <a:endParaRPr lang="pt-BR" noProof="0" dirty="0"/>
           </a:p>
@@ -2009,7 +2009,7 @@
             <a:pPr rtl="0"/>
             <a:fld id="{396BB0A9-3121-4FDC-B347-8A2429A6543E}" type="datetime1">
               <a:rPr lang="pt-BR" smtClean="0"/>
-              <a:t>15/09/2020</a:t>
+              <a:t>16/09/2020</a:t>
             </a:fld>
             <a:endParaRPr lang="pt-BR" dirty="0"/>
           </a:p>
@@ -2209,7 +2209,7 @@
             <a:pPr rtl="0"/>
             <a:fld id="{66CC8949-1AB1-403C-88E1-E3114B431674}" type="datetime1">
               <a:rPr lang="pt-BR" smtClean="0"/>
-              <a:t>15/09/2020</a:t>
+              <a:t>16/09/2020</a:t>
             </a:fld>
             <a:endParaRPr lang="pt-BR" dirty="0"/>
           </a:p>
@@ -2813,7 +2813,7 @@
             <a:pPr rtl="0"/>
             <a:fld id="{3579CE8D-6718-4492-8AEE-78223935D4AC}" type="datetime1">
               <a:rPr lang="pt-BR" smtClean="0"/>
-              <a:t>15/09/2020</a:t>
+              <a:t>16/09/2020</a:t>
             </a:fld>
             <a:endParaRPr lang="pt-BR" dirty="0"/>
           </a:p>
@@ -3250,7 +3250,7 @@
             <a:pPr rtl="0"/>
             <a:fld id="{80623B33-3C06-4B84-84A6-10C3C505BBCD}" type="datetime1">
               <a:rPr lang="pt-BR" smtClean="0"/>
-              <a:t>15/09/2020</a:t>
+              <a:t>16/09/2020</a:t>
             </a:fld>
             <a:endParaRPr lang="pt-BR" dirty="0"/>
           </a:p>
@@ -3444,7 +3444,7 @@
             <a:pPr rtl="0"/>
             <a:fld id="{B91DF77F-E305-4C61-878A-317B216336A8}" type="datetime1">
               <a:rPr lang="pt-BR" smtClean="0"/>
-              <a:t>15/09/2020</a:t>
+              <a:t>16/09/2020</a:t>
             </a:fld>
             <a:endParaRPr lang="pt-BR" dirty="0"/>
           </a:p>
@@ -3899,7 +3899,7 @@
             <a:pPr rtl="0"/>
             <a:fld id="{C296AD28-38DE-4D08-BBD2-395B5E207DA2}" type="datetime1">
               <a:rPr lang="pt-BR" smtClean="0"/>
-              <a:t>15/09/2020</a:t>
+              <a:t>16/09/2020</a:t>
             </a:fld>
             <a:endParaRPr lang="pt-BR" dirty="0"/>
           </a:p>
@@ -4179,7 +4179,7 @@
             <a:pPr rtl="0"/>
             <a:fld id="{E3EEC240-DC20-471B-A045-F017415966EF}" type="datetime1">
               <a:rPr lang="pt-BR" smtClean="0"/>
-              <a:t>15/09/2020</a:t>
+              <a:t>16/09/2020</a:t>
             </a:fld>
             <a:endParaRPr lang="pt-BR" dirty="0"/>
           </a:p>
@@ -4491,7 +4491,7 @@
             <a:pPr rtl="0"/>
             <a:fld id="{74948826-CEE7-4D29-96B5-E6CE78322A31}" type="datetime1">
               <a:rPr lang="pt-BR" smtClean="0"/>
-              <a:t>15/09/2020</a:t>
+              <a:t>16/09/2020</a:t>
             </a:fld>
             <a:endParaRPr lang="pt-BR" dirty="0"/>
           </a:p>
@@ -4953,7 +4953,7 @@
             <a:pPr rtl="0"/>
             <a:fld id="{0CF766DF-8CB0-49B2-956E-2E7D6B5FFEA8}" type="datetime1">
               <a:rPr lang="pt-BR" smtClean="0"/>
-              <a:t>15/09/2020</a:t>
+              <a:t>16/09/2020</a:t>
             </a:fld>
             <a:endParaRPr lang="pt-BR" dirty="0"/>
           </a:p>
@@ -5091,7 +5091,7 @@
             <a:pPr rtl="0"/>
             <a:fld id="{BB408FA8-EDBD-4B26-900F-99968E05B9C0}" type="datetime1">
               <a:rPr lang="pt-BR" smtClean="0"/>
-              <a:t>15/09/2020</a:t>
+              <a:t>16/09/2020</a:t>
             </a:fld>
             <a:endParaRPr lang="pt-BR" dirty="0"/>
           </a:p>
@@ -5482,7 +5482,7 @@
             <a:pPr rtl="0"/>
             <a:fld id="{54BD96D5-D1B2-4E54-BB14-F6D55EE18C1C}" type="datetime1">
               <a:rPr lang="pt-BR" smtClean="0"/>
-              <a:t>15/09/2020</a:t>
+              <a:t>16/09/2020</a:t>
             </a:fld>
             <a:endParaRPr lang="pt-BR" dirty="0"/>
           </a:p>
@@ -6052,8 +6052,8 @@
         </p:nvSpPr>
         <p:spPr>
           <a:xfrm>
-            <a:off x="29108" y="3641112"/>
-            <a:ext cx="4199845" cy="3131702"/>
+            <a:off x="29109" y="3641112"/>
+            <a:ext cx="2320888" cy="3131702"/>
           </a:xfrm>
           <a:prstGeom prst="rect">
             <a:avLst/>
@@ -6228,15 +6228,18 @@
             </a:lvl9pPr>
           </a:lstStyle>
           <a:p>
-            <a:pPr marL="0" indent="0" algn="ctr">
+            <a:pPr marL="0" indent="0">
               <a:buNone/>
             </a:pPr>
             <a:r>
               <a:rPr lang="pt-BR" sz="1999" dirty="0">
+                <a:solidFill>
+                  <a:schemeClr val="bg1"/>
+                </a:solidFill>
                 <a:latin typeface="Arial" panose="020B0604020202020204" pitchFamily="34" charset="0"/>
                 <a:cs typeface="Arial" panose="020B0604020202020204" pitchFamily="34" charset="0"/>
               </a:rPr>
-              <a:t>1º ADS B</a:t>
+              <a:t>1º ADS B:</a:t>
             </a:r>
           </a:p>
           <a:p>
@@ -6245,10 +6248,13 @@
             </a:pPr>
             <a:r>
               <a:rPr lang="pt-BR" sz="1999" dirty="0">
+                <a:solidFill>
+                  <a:schemeClr val="bg1"/>
+                </a:solidFill>
                 <a:latin typeface="Arial" panose="020B0604020202020204" pitchFamily="34" charset="0"/>
                 <a:cs typeface="Arial" panose="020B0604020202020204" pitchFamily="34" charset="0"/>
               </a:rPr>
-              <a:t>David Rafael RA: 01202007</a:t>
+              <a:t>David Rafael</a:t>
             </a:r>
           </a:p>
           <a:p>
@@ -6257,10 +6263,13 @@
             </a:pPr>
             <a:r>
               <a:rPr lang="pt-BR" sz="1999" dirty="0">
+                <a:solidFill>
+                  <a:schemeClr val="bg1"/>
+                </a:solidFill>
                 <a:latin typeface="Arial" panose="020B0604020202020204" pitchFamily="34" charset="0"/>
                 <a:cs typeface="Arial" panose="020B0604020202020204" pitchFamily="34" charset="0"/>
               </a:rPr>
-              <a:t>Dennis RA: 01202058</a:t>
+              <a:t>Dennis Barbosa</a:t>
             </a:r>
           </a:p>
           <a:p>
@@ -6269,10 +6278,13 @@
             </a:pPr>
             <a:r>
               <a:rPr lang="pt-BR" sz="1999" dirty="0">
+                <a:solidFill>
+                  <a:schemeClr val="bg1"/>
+                </a:solidFill>
                 <a:latin typeface="Arial" panose="020B0604020202020204" pitchFamily="34" charset="0"/>
                 <a:cs typeface="Arial" panose="020B0604020202020204" pitchFamily="34" charset="0"/>
               </a:rPr>
-              <a:t>Felipe Kling RA: 01201025</a:t>
+              <a:t>Felipe Kling</a:t>
             </a:r>
           </a:p>
           <a:p>
@@ -6281,10 +6293,13 @@
             </a:pPr>
             <a:r>
               <a:rPr lang="pt-BR" sz="1999" dirty="0">
+                <a:solidFill>
+                  <a:schemeClr val="bg1"/>
+                </a:solidFill>
                 <a:latin typeface="Arial" panose="020B0604020202020204" pitchFamily="34" charset="0"/>
                 <a:cs typeface="Arial" panose="020B0604020202020204" pitchFamily="34" charset="0"/>
               </a:rPr>
-              <a:t>Gabriel A. da Silva RA: 01202076</a:t>
+              <a:t>Gabriel Alvares</a:t>
             </a:r>
           </a:p>
           <a:p>
@@ -6293,10 +6308,13 @@
             </a:pPr>
             <a:r>
               <a:rPr lang="pt-BR" sz="1999" dirty="0">
+                <a:solidFill>
+                  <a:schemeClr val="bg1"/>
+                </a:solidFill>
                 <a:latin typeface="Arial" panose="020B0604020202020204" pitchFamily="34" charset="0"/>
                 <a:cs typeface="Arial" panose="020B0604020202020204" pitchFamily="34" charset="0"/>
               </a:rPr>
-              <a:t>José Fabiano RA: 01201089</a:t>
+              <a:t>José Fabiano</a:t>
             </a:r>
           </a:p>
           <a:p>
@@ -6305,10 +6323,13 @@
             </a:pPr>
             <a:r>
               <a:rPr lang="pt-BR" sz="1999" dirty="0">
+                <a:solidFill>
+                  <a:schemeClr val="bg1"/>
+                </a:solidFill>
                 <a:latin typeface="Arial" panose="020B0604020202020204" pitchFamily="34" charset="0"/>
                 <a:cs typeface="Arial" panose="020B0604020202020204" pitchFamily="34" charset="0"/>
               </a:rPr>
-              <a:t>Lucas F. dos Santos RA: 01202122</a:t>
+              <a:t>Lucas Ferreira</a:t>
             </a:r>
           </a:p>
           <a:p>
@@ -6317,10 +6338,13 @@
             </a:pPr>
             <a:r>
               <a:rPr lang="pt-BR" sz="1999" dirty="0">
+                <a:solidFill>
+                  <a:schemeClr val="bg1"/>
+                </a:solidFill>
                 <a:latin typeface="Arial" panose="020B0604020202020204" pitchFamily="34" charset="0"/>
                 <a:cs typeface="Arial" panose="020B0604020202020204" pitchFamily="34" charset="0"/>
               </a:rPr>
-              <a:t>Renato D. Oliveira RA: 01202050</a:t>
+              <a:t>Renato Paulino</a:t>
             </a:r>
           </a:p>
         </p:txBody>
@@ -6522,6 +6546,9 @@
             </a:pPr>
             <a:r>
               <a:rPr lang="pt-BR" sz="1999" dirty="0">
+                <a:solidFill>
+                  <a:schemeClr val="bg1"/>
+                </a:solidFill>
                 <a:latin typeface="Arial" panose="020B0604020202020204" pitchFamily="34" charset="0"/>
                 <a:cs typeface="Arial" panose="020B0604020202020204" pitchFamily="34" charset="0"/>
               </a:rPr>
@@ -6534,6 +6561,9 @@
             </a:pPr>
             <a:r>
               <a:rPr lang="pt-BR" sz="1999" dirty="0">
+                <a:solidFill>
+                  <a:schemeClr val="bg1"/>
+                </a:solidFill>
                 <a:latin typeface="Arial" panose="020B0604020202020204" pitchFamily="34" charset="0"/>
                 <a:cs typeface="Arial" panose="020B0604020202020204" pitchFamily="34" charset="0"/>
               </a:rPr>
@@ -6552,11 +6582,11 @@
   <p:clrMapOvr>
     <a:masterClrMapping/>
   </p:clrMapOvr>
-  <mc:AlternateContent xmlns:mc="http://schemas.openxmlformats.org/markup-compatibility/2006">
-    <mc:Choice xmlns:p14="http://schemas.microsoft.com/office/powerpoint/2010/main" Requires="p14">
+  <mc:AlternateContent xmlns:mc="http://schemas.openxmlformats.org/markup-compatibility/2006" xmlns:p14="http://schemas.microsoft.com/office/powerpoint/2010/main">
+    <mc:Choice Requires="p14">
       <p:transition p14:dur="0"/>
     </mc:Choice>
-    <mc:Fallback>
+    <mc:Fallback xmlns="">
       <p:transition/>
     </mc:Fallback>
   </mc:AlternateContent>
@@ -6607,15 +6637,24 @@
           <a:lstStyle/>
           <a:p>
             <a:r>
-              <a:rPr lang="pt-BR" dirty="0"/>
-              <a:t>Parte técnica</a:t>
+              <a:rPr lang="pt-BR" dirty="0">
+                <a:latin typeface="Times New Roman" panose="02020603050405020304" pitchFamily="18" charset="0"/>
+                <a:cs typeface="Times New Roman" panose="02020603050405020304" pitchFamily="18" charset="0"/>
+              </a:rPr>
+              <a:t>Parte Técnica</a:t>
             </a:r>
             <a:br>
-              <a:rPr lang="pt-BR" dirty="0"/>
+              <a:rPr lang="pt-BR" dirty="0">
+                <a:latin typeface="Times New Roman" panose="02020603050405020304" pitchFamily="18" charset="0"/>
+                <a:cs typeface="Times New Roman" panose="02020603050405020304" pitchFamily="18" charset="0"/>
+              </a:rPr>
             </a:br>
             <a:r>
-              <a:rPr lang="pt-BR" sz="4000" dirty="0"/>
-              <a:t>teste unitário</a:t>
+              <a:rPr lang="pt-BR" sz="4000" dirty="0">
+                <a:latin typeface="Times New Roman" panose="02020603050405020304" pitchFamily="18" charset="0"/>
+                <a:cs typeface="Times New Roman" panose="02020603050405020304" pitchFamily="18" charset="0"/>
+              </a:rPr>
+              <a:t>Teste Unitário</a:t>
             </a:r>
           </a:p>
         </p:txBody>
@@ -6638,105 +6677,141 @@
         </p:nvSpPr>
         <p:spPr>
           <a:xfrm>
-            <a:off x="909837" y="2132856"/>
-            <a:ext cx="3456384" cy="3384376"/>
+            <a:off x="909837" y="2132854"/>
+            <a:ext cx="3168351" cy="4562803"/>
           </a:xfrm>
         </p:spPr>
         <p:txBody>
           <a:bodyPr>
-            <a:normAutofit fontScale="92500" lnSpcReduction="20000"/>
+            <a:normAutofit/>
           </a:bodyPr>
           <a:lstStyle/>
           <a:p>
             <a:pPr algn="l"/>
             <a:r>
-              <a:rPr lang="pt-BR" dirty="0"/>
+              <a:rPr lang="pt-BR" sz="2200" dirty="0">
+                <a:latin typeface="Arial" panose="020B0604020202020204" pitchFamily="34" charset="0"/>
+                <a:cs typeface="Arial" panose="020B0604020202020204" pitchFamily="34" charset="0"/>
+              </a:rPr>
               <a:t>Temperatura teste de mesa </a:t>
             </a:r>
           </a:p>
           <a:p>
             <a:pPr algn="l"/>
             <a:r>
-              <a:rPr lang="pt-BR" dirty="0"/>
+              <a:rPr lang="pt-BR" sz="2200" dirty="0">
+                <a:latin typeface="Arial" panose="020B0604020202020204" pitchFamily="34" charset="0"/>
+                <a:cs typeface="Arial" panose="020B0604020202020204" pitchFamily="34" charset="0"/>
+              </a:rPr>
               <a:t>dia 14/09/2020</a:t>
             </a:r>
           </a:p>
           <a:p>
             <a:pPr algn="l"/>
-            <a:endParaRPr lang="pt-BR" dirty="0"/>
+            <a:endParaRPr lang="pt-BR" dirty="0">
+              <a:latin typeface="Arial" panose="020B0604020202020204" pitchFamily="34" charset="0"/>
+              <a:cs typeface="Arial" panose="020B0604020202020204" pitchFamily="34" charset="0"/>
+            </a:endParaRPr>
           </a:p>
           <a:p>
             <a:pPr algn="l"/>
             <a:r>
-              <a:rPr lang="pt-BR" dirty="0"/>
+              <a:rPr lang="pt-BR" sz="2200" dirty="0">
+                <a:latin typeface="Arial" panose="020B0604020202020204" pitchFamily="34" charset="0"/>
+                <a:cs typeface="Arial" panose="020B0604020202020204" pitchFamily="34" charset="0"/>
+              </a:rPr>
               <a:t>3.96°C</a:t>
             </a:r>
           </a:p>
           <a:p>
             <a:pPr algn="l"/>
             <a:r>
-              <a:rPr lang="pt-BR" dirty="0"/>
+              <a:rPr lang="pt-BR" sz="2200" dirty="0">
+                <a:latin typeface="Arial" panose="020B0604020202020204" pitchFamily="34" charset="0"/>
+                <a:cs typeface="Arial" panose="020B0604020202020204" pitchFamily="34" charset="0"/>
+              </a:rPr>
               <a:t>-1.12°C</a:t>
             </a:r>
           </a:p>
           <a:p>
             <a:pPr algn="l"/>
             <a:r>
-              <a:rPr lang="pt-BR" dirty="0"/>
+              <a:rPr lang="pt-BR" sz="2200" dirty="0">
+                <a:latin typeface="Arial" panose="020B0604020202020204" pitchFamily="34" charset="0"/>
+                <a:cs typeface="Arial" panose="020B0604020202020204" pitchFamily="34" charset="0"/>
+              </a:rPr>
               <a:t>-4.46°C</a:t>
             </a:r>
           </a:p>
           <a:p>
             <a:pPr algn="l"/>
             <a:r>
-              <a:rPr lang="pt-BR" dirty="0"/>
+              <a:rPr lang="pt-BR" sz="2200" dirty="0">
+                <a:latin typeface="Arial" panose="020B0604020202020204" pitchFamily="34" charset="0"/>
+                <a:cs typeface="Arial" panose="020B0604020202020204" pitchFamily="34" charset="0"/>
+              </a:rPr>
               <a:t>-6.57°C</a:t>
             </a:r>
           </a:p>
           <a:p>
             <a:pPr algn="l"/>
             <a:r>
-              <a:rPr lang="pt-BR" dirty="0"/>
+              <a:rPr lang="pt-BR" sz="2200" dirty="0">
+                <a:latin typeface="Arial" panose="020B0604020202020204" pitchFamily="34" charset="0"/>
+                <a:cs typeface="Arial" panose="020B0604020202020204" pitchFamily="34" charset="0"/>
+              </a:rPr>
               <a:t>-0.38°C</a:t>
             </a:r>
           </a:p>
           <a:p>
             <a:pPr algn="l"/>
             <a:r>
-              <a:rPr lang="pt-BR" dirty="0"/>
+              <a:rPr lang="pt-BR" sz="2200" dirty="0">
+                <a:latin typeface="Arial" panose="020B0604020202020204" pitchFamily="34" charset="0"/>
+                <a:cs typeface="Arial" panose="020B0604020202020204" pitchFamily="34" charset="0"/>
+              </a:rPr>
               <a:t>5.46ºC</a:t>
             </a:r>
           </a:p>
           <a:p>
             <a:pPr algn="l"/>
             <a:r>
-              <a:rPr lang="pt-BR" dirty="0"/>
+              <a:rPr lang="pt-BR" sz="2200" dirty="0">
+                <a:latin typeface="Arial" panose="020B0604020202020204" pitchFamily="34" charset="0"/>
+                <a:cs typeface="Arial" panose="020B0604020202020204" pitchFamily="34" charset="0"/>
+              </a:rPr>
               <a:t>4.89°C</a:t>
             </a:r>
           </a:p>
           <a:p>
             <a:pPr algn="l"/>
             <a:r>
-              <a:rPr lang="pt-BR" dirty="0"/>
+              <a:rPr lang="pt-BR" sz="2200" dirty="0">
+                <a:latin typeface="Arial" panose="020B0604020202020204" pitchFamily="34" charset="0"/>
+                <a:cs typeface="Arial" panose="020B0604020202020204" pitchFamily="34" charset="0"/>
+              </a:rPr>
               <a:t>-6.16°C</a:t>
             </a:r>
           </a:p>
           <a:p>
             <a:pPr algn="l"/>
             <a:r>
-              <a:rPr lang="pt-BR" dirty="0"/>
+              <a:rPr lang="pt-BR" sz="2200" dirty="0">
+                <a:latin typeface="Arial" panose="020B0604020202020204" pitchFamily="34" charset="0"/>
+                <a:cs typeface="Arial" panose="020B0604020202020204" pitchFamily="34" charset="0"/>
+              </a:rPr>
               <a:t>5.52°C</a:t>
             </a:r>
           </a:p>
           <a:p>
             <a:pPr algn="l"/>
             <a:r>
-              <a:rPr lang="pt-BR" dirty="0"/>
+              <a:rPr lang="pt-BR" sz="2200" dirty="0">
+                <a:latin typeface="Arial" panose="020B0604020202020204" pitchFamily="34" charset="0"/>
+                <a:cs typeface="Arial" panose="020B0604020202020204" pitchFamily="34" charset="0"/>
+              </a:rPr>
               <a:t>1.86°C</a:t>
             </a:r>
-          </a:p>
-          <a:p>
-            <a:endParaRPr lang="pt-BR" dirty="0"/>
           </a:p>
         </p:txBody>
       </p:sp>
@@ -6756,8 +6831,8 @@
         </p:nvSpPr>
         <p:spPr>
           <a:xfrm>
-            <a:off x="7822604" y="2132856"/>
-            <a:ext cx="3456384" cy="3384376"/>
+            <a:off x="4582244" y="2132852"/>
+            <a:ext cx="3024336" cy="4562803"/>
           </a:xfrm>
           <a:prstGeom prst="rect">
             <a:avLst/>
@@ -6765,7 +6840,7 @@
         </p:spPr>
         <p:txBody>
           <a:bodyPr vert="horz" lIns="91440" tIns="45720" rIns="91440" bIns="45720" rtlCol="0">
-            <a:normAutofit fontScale="92500" lnSpcReduction="20000"/>
+            <a:noAutofit/>
           </a:bodyPr>
           <a:lstStyle>
             <a:lvl1pPr marL="0" indent="0" algn="ctr" defTabSz="914400" rtl="0" eaLnBrk="1" latinLnBrk="0" hangingPunct="1">
@@ -6966,98 +7041,471 @@
             </a:lvl9pPr>
           </a:lstStyle>
           <a:p>
+            <a:r>
+              <a:rPr lang="pt-BR" sz="2200" dirty="0">
+                <a:latin typeface="Arial" panose="020B0604020202020204" pitchFamily="34" charset="0"/>
+                <a:cs typeface="Arial" panose="020B0604020202020204" pitchFamily="34" charset="0"/>
+              </a:rPr>
+              <a:t>Temperatura teste de mesa</a:t>
+            </a:r>
+          </a:p>
+          <a:p>
+            <a:r>
+              <a:rPr lang="pt-BR" sz="2200" dirty="0">
+                <a:latin typeface="Arial" panose="020B0604020202020204" pitchFamily="34" charset="0"/>
+                <a:cs typeface="Arial" panose="020B0604020202020204" pitchFamily="34" charset="0"/>
+              </a:rPr>
+              <a:t>dia 15/09/2020</a:t>
+            </a:r>
+          </a:p>
+          <a:p>
+            <a:endParaRPr lang="pt-BR" sz="2200" dirty="0">
+              <a:latin typeface="Arial" panose="020B0604020202020204" pitchFamily="34" charset="0"/>
+              <a:cs typeface="Arial" panose="020B0604020202020204" pitchFamily="34" charset="0"/>
+            </a:endParaRPr>
+          </a:p>
+          <a:p>
+            <a:r>
+              <a:rPr lang="pt-BR" sz="2200" dirty="0">
+                <a:latin typeface="Arial" panose="020B0604020202020204" pitchFamily="34" charset="0"/>
+                <a:cs typeface="Arial" panose="020B0604020202020204" pitchFamily="34" charset="0"/>
+              </a:rPr>
+              <a:t>-0.31°C</a:t>
+            </a:r>
+          </a:p>
+          <a:p>
+            <a:r>
+              <a:rPr lang="pt-BR" sz="2200" dirty="0">
+                <a:latin typeface="Arial" panose="020B0604020202020204" pitchFamily="34" charset="0"/>
+                <a:cs typeface="Arial" panose="020B0604020202020204" pitchFamily="34" charset="0"/>
+              </a:rPr>
+              <a:t>4.03°C</a:t>
+            </a:r>
+          </a:p>
+          <a:p>
+            <a:r>
+              <a:rPr lang="pt-BR" sz="2200" dirty="0">
+                <a:latin typeface="Arial" panose="020B0604020202020204" pitchFamily="34" charset="0"/>
+                <a:cs typeface="Arial" panose="020B0604020202020204" pitchFamily="34" charset="0"/>
+              </a:rPr>
+              <a:t>5.80°C</a:t>
+            </a:r>
+          </a:p>
+          <a:p>
+            <a:r>
+              <a:rPr lang="pt-BR" sz="2200" dirty="0">
+                <a:latin typeface="Arial" panose="020B0604020202020204" pitchFamily="34" charset="0"/>
+                <a:cs typeface="Arial" panose="020B0604020202020204" pitchFamily="34" charset="0"/>
+              </a:rPr>
+              <a:t>-1.66°C</a:t>
+            </a:r>
+          </a:p>
+          <a:p>
+            <a:r>
+              <a:rPr lang="pt-BR" sz="2200" dirty="0">
+                <a:latin typeface="Arial" panose="020B0604020202020204" pitchFamily="34" charset="0"/>
+                <a:cs typeface="Arial" panose="020B0604020202020204" pitchFamily="34" charset="0"/>
+              </a:rPr>
+              <a:t>-4.87°C</a:t>
+            </a:r>
+          </a:p>
+          <a:p>
+            <a:r>
+              <a:rPr lang="pt-BR" sz="2200" dirty="0">
+                <a:latin typeface="Arial" panose="020B0604020202020204" pitchFamily="34" charset="0"/>
+                <a:cs typeface="Arial" panose="020B0604020202020204" pitchFamily="34" charset="0"/>
+              </a:rPr>
+              <a:t>-8.7°C</a:t>
+            </a:r>
+          </a:p>
+          <a:p>
+            <a:r>
+              <a:rPr lang="pt-BR" sz="2200" dirty="0">
+                <a:latin typeface="Arial" panose="020B0604020202020204" pitchFamily="34" charset="0"/>
+                <a:cs typeface="Arial" panose="020B0604020202020204" pitchFamily="34" charset="0"/>
+              </a:rPr>
+              <a:t>-6.7°C</a:t>
+            </a:r>
+          </a:p>
+          <a:p>
+            <a:r>
+              <a:rPr lang="pt-BR" sz="2200" dirty="0">
+                <a:latin typeface="Arial" panose="020B0604020202020204" pitchFamily="34" charset="0"/>
+                <a:cs typeface="Arial" panose="020B0604020202020204" pitchFamily="34" charset="0"/>
+              </a:rPr>
+              <a:t>5.51°C</a:t>
+            </a:r>
+          </a:p>
+          <a:p>
+            <a:r>
+              <a:rPr lang="pt-BR" sz="2200" dirty="0">
+                <a:latin typeface="Arial" panose="020B0604020202020204" pitchFamily="34" charset="0"/>
+                <a:cs typeface="Arial" panose="020B0604020202020204" pitchFamily="34" charset="0"/>
+              </a:rPr>
+              <a:t>-2.97°C</a:t>
+            </a:r>
+          </a:p>
+          <a:p>
+            <a:r>
+              <a:rPr lang="pt-BR" sz="2200" dirty="0">
+                <a:latin typeface="Arial" panose="020B0604020202020204" pitchFamily="34" charset="0"/>
+                <a:cs typeface="Arial" panose="020B0604020202020204" pitchFamily="34" charset="0"/>
+              </a:rPr>
+              <a:t>1.04°C</a:t>
+            </a:r>
+          </a:p>
+        </p:txBody>
+      </p:sp>
+      <p:sp>
+        <p:nvSpPr>
+          <p:cNvPr id="5" name="Subtítulo 2">
+            <a:extLst>
+              <a:ext uri="{FF2B5EF4-FFF2-40B4-BE49-F238E27FC236}">
+                <a16:creationId xmlns:a16="http://schemas.microsoft.com/office/drawing/2014/main" id="{37CA384F-7378-4221-904B-E5528E846252}"/>
+              </a:ext>
+            </a:extLst>
+          </p:cNvPr>
+          <p:cNvSpPr txBox="1">
+            <a:spLocks/>
+          </p:cNvSpPr>
+          <p:nvPr/>
+        </p:nvSpPr>
+        <p:spPr>
+          <a:xfrm>
+            <a:off x="8110636" y="2132853"/>
+            <a:ext cx="3172309" cy="4562803"/>
+          </a:xfrm>
+          <a:prstGeom prst="rect">
+            <a:avLst/>
+          </a:prstGeom>
+        </p:spPr>
+        <p:txBody>
+          <a:bodyPr vert="horz" lIns="91440" tIns="45720" rIns="91440" bIns="45720" rtlCol="0">
+            <a:normAutofit/>
+          </a:bodyPr>
+          <a:lstStyle>
+            <a:lvl1pPr marL="0" indent="0" algn="ctr" defTabSz="914400" rtl="0" eaLnBrk="1" latinLnBrk="0" hangingPunct="1">
+              <a:lnSpc>
+                <a:spcPct val="90000"/>
+              </a:lnSpc>
+              <a:spcBef>
+                <a:spcPts val="0"/>
+              </a:spcBef>
+              <a:buClr>
+                <a:schemeClr val="tx1"/>
+              </a:buClr>
+              <a:buFont typeface="Arial" pitchFamily="34" charset="0"/>
+              <a:buNone/>
+              <a:defRPr sz="2400" kern="1200">
+                <a:solidFill>
+                  <a:schemeClr val="tx1">
+                    <a:lumMod val="90000"/>
+                    <a:lumOff val="10000"/>
+                  </a:schemeClr>
+                </a:solidFill>
+                <a:latin typeface="+mn-lt"/>
+                <a:ea typeface="+mn-ea"/>
+                <a:cs typeface="+mn-cs"/>
+              </a:defRPr>
+            </a:lvl1pPr>
+            <a:lvl2pPr marL="457200" indent="0" algn="ctr" defTabSz="914400" rtl="0" eaLnBrk="1" latinLnBrk="0" hangingPunct="1">
+              <a:lnSpc>
+                <a:spcPct val="90000"/>
+              </a:lnSpc>
+              <a:spcBef>
+                <a:spcPts val="1000"/>
+              </a:spcBef>
+              <a:buClr>
+                <a:schemeClr val="tx1"/>
+              </a:buClr>
+              <a:buFont typeface="Arial" pitchFamily="34" charset="0"/>
+              <a:buNone/>
+              <a:defRPr sz="1800" kern="1200">
+                <a:solidFill>
+                  <a:schemeClr val="tx1">
+                    <a:tint val="75000"/>
+                  </a:schemeClr>
+                </a:solidFill>
+                <a:latin typeface="+mn-lt"/>
+                <a:ea typeface="+mn-ea"/>
+                <a:cs typeface="+mn-cs"/>
+              </a:defRPr>
+            </a:lvl2pPr>
+            <a:lvl3pPr marL="914400" indent="0" algn="ctr" defTabSz="914400" rtl="0" eaLnBrk="1" latinLnBrk="0" hangingPunct="1">
+              <a:lnSpc>
+                <a:spcPct val="90000"/>
+              </a:lnSpc>
+              <a:spcBef>
+                <a:spcPts val="800"/>
+              </a:spcBef>
+              <a:buClr>
+                <a:schemeClr val="tx1"/>
+              </a:buClr>
+              <a:buFont typeface="Arial" pitchFamily="34" charset="0"/>
+              <a:buNone/>
+              <a:defRPr sz="1600" kern="1200">
+                <a:solidFill>
+                  <a:schemeClr val="tx1">
+                    <a:tint val="75000"/>
+                  </a:schemeClr>
+                </a:solidFill>
+                <a:latin typeface="+mn-lt"/>
+                <a:ea typeface="+mn-ea"/>
+                <a:cs typeface="+mn-cs"/>
+              </a:defRPr>
+            </a:lvl3pPr>
+            <a:lvl4pPr marL="1371600" indent="0" algn="ctr" defTabSz="914400" rtl="0" eaLnBrk="1" latinLnBrk="0" hangingPunct="1">
+              <a:lnSpc>
+                <a:spcPct val="90000"/>
+              </a:lnSpc>
+              <a:spcBef>
+                <a:spcPts val="800"/>
+              </a:spcBef>
+              <a:buClr>
+                <a:schemeClr val="tx1"/>
+              </a:buClr>
+              <a:buFont typeface="Arial" pitchFamily="34" charset="0"/>
+              <a:buNone/>
+              <a:defRPr sz="1400" kern="1200">
+                <a:solidFill>
+                  <a:schemeClr val="tx1">
+                    <a:tint val="75000"/>
+                  </a:schemeClr>
+                </a:solidFill>
+                <a:latin typeface="+mn-lt"/>
+                <a:ea typeface="+mn-ea"/>
+                <a:cs typeface="+mn-cs"/>
+              </a:defRPr>
+            </a:lvl4pPr>
+            <a:lvl5pPr marL="1828800" indent="0" algn="ctr" defTabSz="914400" rtl="0" eaLnBrk="1" latinLnBrk="0" hangingPunct="1">
+              <a:lnSpc>
+                <a:spcPct val="90000"/>
+              </a:lnSpc>
+              <a:spcBef>
+                <a:spcPts val="800"/>
+              </a:spcBef>
+              <a:buClr>
+                <a:schemeClr val="tx1"/>
+              </a:buClr>
+              <a:buFont typeface="Arial" pitchFamily="34" charset="0"/>
+              <a:buNone/>
+              <a:defRPr sz="1400" kern="1200">
+                <a:solidFill>
+                  <a:schemeClr val="tx1">
+                    <a:tint val="75000"/>
+                  </a:schemeClr>
+                </a:solidFill>
+                <a:latin typeface="+mn-lt"/>
+                <a:ea typeface="+mn-ea"/>
+                <a:cs typeface="+mn-cs"/>
+              </a:defRPr>
+            </a:lvl5pPr>
+            <a:lvl6pPr marL="2286000" indent="0" algn="ctr" defTabSz="914400" rtl="0" eaLnBrk="1" latinLnBrk="0" hangingPunct="1">
+              <a:lnSpc>
+                <a:spcPct val="90000"/>
+              </a:lnSpc>
+              <a:spcBef>
+                <a:spcPts val="800"/>
+              </a:spcBef>
+              <a:buFont typeface="Arial" pitchFamily="34" charset="0"/>
+              <a:buNone/>
+              <a:defRPr sz="1400" kern="1200">
+                <a:solidFill>
+                  <a:schemeClr val="tx1">
+                    <a:tint val="75000"/>
+                  </a:schemeClr>
+                </a:solidFill>
+                <a:latin typeface="+mn-lt"/>
+                <a:ea typeface="+mn-ea"/>
+                <a:cs typeface="+mn-cs"/>
+              </a:defRPr>
+            </a:lvl6pPr>
+            <a:lvl7pPr marL="2743200" indent="0" algn="ctr" defTabSz="914400" rtl="0" eaLnBrk="1" latinLnBrk="0" hangingPunct="1">
+              <a:lnSpc>
+                <a:spcPct val="90000"/>
+              </a:lnSpc>
+              <a:spcBef>
+                <a:spcPts val="800"/>
+              </a:spcBef>
+              <a:buFont typeface="Arial" pitchFamily="34" charset="0"/>
+              <a:buNone/>
+              <a:defRPr sz="1400" kern="1200">
+                <a:solidFill>
+                  <a:schemeClr val="tx1">
+                    <a:tint val="75000"/>
+                  </a:schemeClr>
+                </a:solidFill>
+                <a:latin typeface="+mn-lt"/>
+                <a:ea typeface="+mn-ea"/>
+                <a:cs typeface="+mn-cs"/>
+              </a:defRPr>
+            </a:lvl7pPr>
+            <a:lvl8pPr marL="3200400" indent="0" algn="ctr" defTabSz="914400" rtl="0" eaLnBrk="1" latinLnBrk="0" hangingPunct="1">
+              <a:lnSpc>
+                <a:spcPct val="90000"/>
+              </a:lnSpc>
+              <a:spcBef>
+                <a:spcPts val="800"/>
+              </a:spcBef>
+              <a:buFont typeface="Arial" pitchFamily="34" charset="0"/>
+              <a:buNone/>
+              <a:defRPr sz="1400" kern="1200">
+                <a:solidFill>
+                  <a:schemeClr val="tx1">
+                    <a:tint val="75000"/>
+                  </a:schemeClr>
+                </a:solidFill>
+                <a:latin typeface="+mn-lt"/>
+                <a:ea typeface="+mn-ea"/>
+                <a:cs typeface="+mn-cs"/>
+              </a:defRPr>
+            </a:lvl8pPr>
+            <a:lvl9pPr marL="3657600" indent="0" algn="ctr" defTabSz="914400" rtl="0" eaLnBrk="1" latinLnBrk="0" hangingPunct="1">
+              <a:lnSpc>
+                <a:spcPct val="90000"/>
+              </a:lnSpc>
+              <a:spcBef>
+                <a:spcPts val="800"/>
+              </a:spcBef>
+              <a:buFont typeface="Arial" pitchFamily="34" charset="0"/>
+              <a:buNone/>
+              <a:defRPr sz="1400" kern="1200">
+                <a:solidFill>
+                  <a:schemeClr val="tx1">
+                    <a:tint val="75000"/>
+                  </a:schemeClr>
+                </a:solidFill>
+                <a:latin typeface="+mn-lt"/>
+                <a:ea typeface="+mn-ea"/>
+                <a:cs typeface="+mn-cs"/>
+              </a:defRPr>
+            </a:lvl9pPr>
+          </a:lstStyle>
+          <a:p>
             <a:pPr algn="r"/>
             <a:r>
-              <a:rPr lang="pt-BR" dirty="0"/>
+              <a:rPr lang="pt-BR" sz="2200" dirty="0">
+                <a:latin typeface="Arial" panose="020B0604020202020204" pitchFamily="34" charset="0"/>
+                <a:cs typeface="Arial" panose="020B0604020202020204" pitchFamily="34" charset="0"/>
+              </a:rPr>
               <a:t>Temperatura teste de mesa </a:t>
             </a:r>
           </a:p>
           <a:p>
             <a:pPr algn="r"/>
             <a:r>
-              <a:rPr lang="pt-BR" dirty="0"/>
-              <a:t>dia 15/09/2020</a:t>
+              <a:rPr lang="pt-BR" sz="2200" dirty="0">
+                <a:latin typeface="Arial" panose="020B0604020202020204" pitchFamily="34" charset="0"/>
+                <a:cs typeface="Arial" panose="020B0604020202020204" pitchFamily="34" charset="0"/>
+              </a:rPr>
+              <a:t>dia 16/09/2020</a:t>
             </a:r>
           </a:p>
           <a:p>
             <a:pPr algn="r"/>
-            <a:endParaRPr lang="pt-BR" dirty="0"/>
+            <a:endParaRPr lang="pt-BR" dirty="0">
+              <a:latin typeface="Arial" panose="020B0604020202020204" pitchFamily="34" charset="0"/>
+              <a:cs typeface="Arial" panose="020B0604020202020204" pitchFamily="34" charset="0"/>
+            </a:endParaRPr>
           </a:p>
           <a:p>
             <a:pPr algn="r"/>
             <a:r>
-              <a:rPr lang="pt-BR" dirty="0"/>
-              <a:t>-0,31°C</a:t>
+              <a:rPr lang="pt-BR" sz="2200" dirty="0">
+                <a:latin typeface="Arial" panose="020B0604020202020204" pitchFamily="34" charset="0"/>
+                <a:cs typeface="Arial" panose="020B0604020202020204" pitchFamily="34" charset="0"/>
+              </a:rPr>
+              <a:t>-2.73°C</a:t>
             </a:r>
           </a:p>
           <a:p>
             <a:pPr algn="r"/>
             <a:r>
-              <a:rPr lang="pt-BR" dirty="0"/>
-              <a:t>4,03°C</a:t>
+              <a:rPr lang="pt-BR" sz="2200" dirty="0">
+                <a:latin typeface="Arial" panose="020B0604020202020204" pitchFamily="34" charset="0"/>
+                <a:cs typeface="Arial" panose="020B0604020202020204" pitchFamily="34" charset="0"/>
+              </a:rPr>
+              <a:t>-5.57°C</a:t>
             </a:r>
           </a:p>
           <a:p>
             <a:pPr algn="r"/>
             <a:r>
-              <a:rPr lang="pt-BR" dirty="0"/>
-              <a:t>5,80°C</a:t>
+              <a:rPr lang="pt-BR" sz="2200" dirty="0">
+                <a:latin typeface="Arial" panose="020B0604020202020204" pitchFamily="34" charset="0"/>
+                <a:cs typeface="Arial" panose="020B0604020202020204" pitchFamily="34" charset="0"/>
+              </a:rPr>
+              <a:t>-0.83°C</a:t>
             </a:r>
           </a:p>
           <a:p>
             <a:pPr algn="r"/>
             <a:r>
-              <a:rPr lang="pt-BR" dirty="0"/>
-              <a:t>-1,66°C</a:t>
+              <a:rPr lang="pt-BR" sz="2200" dirty="0">
+                <a:latin typeface="Arial" panose="020B0604020202020204" pitchFamily="34" charset="0"/>
+                <a:cs typeface="Arial" panose="020B0604020202020204" pitchFamily="34" charset="0"/>
+              </a:rPr>
+              <a:t>6.19°C</a:t>
             </a:r>
           </a:p>
           <a:p>
             <a:pPr algn="r"/>
             <a:r>
-              <a:rPr lang="pt-BR" dirty="0"/>
-              <a:t>-4,87°C</a:t>
+              <a:rPr lang="pt-BR" sz="2200" dirty="0">
+                <a:latin typeface="Arial" panose="020B0604020202020204" pitchFamily="34" charset="0"/>
+                <a:cs typeface="Arial" panose="020B0604020202020204" pitchFamily="34" charset="0"/>
+              </a:rPr>
+              <a:t>2.34°C</a:t>
             </a:r>
           </a:p>
           <a:p>
             <a:pPr algn="r"/>
             <a:r>
-              <a:rPr lang="pt-BR" dirty="0"/>
-              <a:t>-8,7°C</a:t>
+              <a:rPr lang="pt-BR" sz="2200" dirty="0">
+                <a:latin typeface="Arial" panose="020B0604020202020204" pitchFamily="34" charset="0"/>
+                <a:cs typeface="Arial" panose="020B0604020202020204" pitchFamily="34" charset="0"/>
+              </a:rPr>
+              <a:t>0.86°C</a:t>
             </a:r>
           </a:p>
           <a:p>
             <a:pPr algn="r"/>
             <a:r>
-              <a:rPr lang="pt-BR" dirty="0"/>
-              <a:t>-6,7°C</a:t>
+              <a:rPr lang="pt-BR" sz="2200" dirty="0">
+                <a:latin typeface="Arial" panose="020B0604020202020204" pitchFamily="34" charset="0"/>
+                <a:cs typeface="Arial" panose="020B0604020202020204" pitchFamily="34" charset="0"/>
+              </a:rPr>
+              <a:t>0.56°C</a:t>
             </a:r>
           </a:p>
           <a:p>
             <a:pPr algn="r"/>
             <a:r>
-              <a:rPr lang="pt-BR" dirty="0"/>
-              <a:t>5.51°C </a:t>
+              <a:rPr lang="pt-BR" sz="2200" dirty="0">
+                <a:latin typeface="Arial" panose="020B0604020202020204" pitchFamily="34" charset="0"/>
+                <a:cs typeface="Arial" panose="020B0604020202020204" pitchFamily="34" charset="0"/>
+              </a:rPr>
+              <a:t>1.90°C</a:t>
             </a:r>
           </a:p>
           <a:p>
             <a:pPr algn="r"/>
             <a:r>
-              <a:rPr lang="pt-BR" dirty="0"/>
-              <a:t>-2.97°C</a:t>
+              <a:rPr lang="pt-BR" sz="2200" dirty="0">
+                <a:latin typeface="Arial" panose="020B0604020202020204" pitchFamily="34" charset="0"/>
+                <a:cs typeface="Arial" panose="020B0604020202020204" pitchFamily="34" charset="0"/>
+              </a:rPr>
+              <a:t>3.81°C</a:t>
             </a:r>
           </a:p>
           <a:p>
             <a:pPr algn="r"/>
             <a:r>
-              <a:rPr lang="pt-BR" dirty="0"/>
-              <a:t>1.04°C</a:t>
-            </a:r>
-          </a:p>
-          <a:p>
-            <a:pPr algn="r"/>
-            <a:r>
-              <a:rPr lang="pt-BR" dirty="0"/>
-              <a:t>-8.00°C</a:t>
+              <a:rPr lang="pt-BR" sz="2200" dirty="0">
+                <a:latin typeface="Arial" panose="020B0604020202020204" pitchFamily="34" charset="0"/>
+                <a:cs typeface="Arial" panose="020B0604020202020204" pitchFamily="34" charset="0"/>
+              </a:rPr>
+              <a:t>-6.39°C</a:t>
             </a:r>
           </a:p>
         </p:txBody>
@@ -7072,11 +7520,11 @@
   <p:clrMapOvr>
     <a:masterClrMapping/>
   </p:clrMapOvr>
-  <mc:AlternateContent xmlns:mc="http://schemas.openxmlformats.org/markup-compatibility/2006">
-    <mc:Choice xmlns:p14="http://schemas.microsoft.com/office/powerpoint/2010/main" Requires="p14">
+  <mc:AlternateContent xmlns:mc="http://schemas.openxmlformats.org/markup-compatibility/2006" xmlns:p14="http://schemas.microsoft.com/office/powerpoint/2010/main">
+    <mc:Choice Requires="p14">
       <p:transition p14:dur="0"/>
     </mc:Choice>
-    <mc:Fallback>
+    <mc:Fallback xmlns="">
       <p:transition/>
     </mc:Fallback>
   </mc:AlternateContent>
@@ -7171,11 +7619,16 @@
           <a:p>
             <a:r>
               <a:rPr lang="pt-BR" dirty="0">
+                <a:latin typeface="Times New Roman" panose="02020603050405020304" pitchFamily="18" charset="0"/>
+                <a:cs typeface="Times New Roman" panose="02020603050405020304" pitchFamily="18" charset="0"/>
                 <a:hlinkClick r:id="rId3"/>
               </a:rPr>
               <a:t>Banco de Dados</a:t>
             </a:r>
-            <a:endParaRPr lang="pt-BR" dirty="0"/>
+            <a:endParaRPr lang="pt-BR" dirty="0">
+              <a:latin typeface="Times New Roman" panose="02020603050405020304" pitchFamily="18" charset="0"/>
+              <a:cs typeface="Times New Roman" panose="02020603050405020304" pitchFamily="18" charset="0"/>
+            </a:endParaRPr>
           </a:p>
         </p:txBody>
       </p:sp>
@@ -7244,11 +7697,16 @@
           <a:p>
             <a:r>
               <a:rPr lang="pt-BR" dirty="0">
+                <a:latin typeface="Times New Roman" panose="02020603050405020304" pitchFamily="18" charset="0"/>
+                <a:cs typeface="Times New Roman" panose="02020603050405020304" pitchFamily="18" charset="0"/>
                 <a:hlinkClick r:id="rId4"/>
               </a:rPr>
               <a:t>Back Log Frigologia</a:t>
             </a:r>
-            <a:endParaRPr lang="pt-BR" dirty="0"/>
+            <a:endParaRPr lang="pt-BR" dirty="0">
+              <a:latin typeface="Times New Roman" panose="02020603050405020304" pitchFamily="18" charset="0"/>
+              <a:cs typeface="Times New Roman" panose="02020603050405020304" pitchFamily="18" charset="0"/>
+            </a:endParaRPr>
           </a:p>
         </p:txBody>
       </p:sp>
@@ -7285,11 +7743,11 @@
   <p:clrMapOvr>
     <a:masterClrMapping/>
   </p:clrMapOvr>
-  <mc:AlternateContent xmlns:mc="http://schemas.openxmlformats.org/markup-compatibility/2006">
-    <mc:Choice xmlns:p14="http://schemas.microsoft.com/office/powerpoint/2010/main" Requires="p14">
+  <mc:AlternateContent xmlns:mc="http://schemas.openxmlformats.org/markup-compatibility/2006" xmlns:p14="http://schemas.microsoft.com/office/powerpoint/2010/main">
+    <mc:Choice Requires="p14">
       <p:transition p14:dur="0"/>
     </mc:Choice>
-    <mc:Fallback>
+    <mc:Fallback xmlns="">
       <p:transition/>
     </mc:Fallback>
   </mc:AlternateContent>
@@ -7329,10 +7787,84 @@
             <p:ph idx="1"/>
           </p:nvPr>
         </p:nvSpPr>
-        <p:spPr/>
-        <p:txBody>
-          <a:bodyPr/>
+        <p:spPr>
+          <a:xfrm>
+            <a:off x="1522414" y="1643063"/>
+            <a:ext cx="9144000" cy="4978647"/>
+          </a:xfrm>
+        </p:spPr>
+        <p:txBody>
+          <a:bodyPr>
+            <a:normAutofit fontScale="92500" lnSpcReduction="20000"/>
+          </a:bodyPr>
           <a:lstStyle/>
+          <a:p>
+            <a:r>
+              <a:rPr lang="pt-BR" dirty="0"/>
+              <a:t>Universidade Federal do Tocantins - AVALIACÃO DA TEMPERATURA DE BALCÕES REFRIGERADOS DE SUPERMERCADOS DE PALMAS -TO – 2019 –disponível em: </a:t>
+            </a:r>
+            <a:r>
+              <a:rPr lang="pt-BR" dirty="0">
+                <a:hlinkClick r:id="rId2"/>
+              </a:rPr>
+              <a:t>https://sistemas.uft.edu.br/periodicos/index.php/desafios/article/view/6827/15278</a:t>
+            </a:r>
+            <a:r>
+              <a:rPr lang="pt-BR" dirty="0"/>
+              <a:t> - acessado em 10/09/2020</a:t>
+            </a:r>
+          </a:p>
+          <a:p>
+            <a:r>
+              <a:rPr lang="pt-BR" dirty="0"/>
+              <a:t>Acadêmico de Nutrição, Pontifícia Universidade Católica de Goiás-PUC-Goiás-Controle de tempo e temperatura na produção de refeições de restaurantes comerciais na cidade de Goiânia-GO – 2012 – disponível em: </a:t>
+            </a:r>
+            <a:r>
+              <a:rPr lang="pt-BR" dirty="0">
+                <a:hlinkClick r:id="rId3"/>
+              </a:rPr>
+              <a:t>https://www.e-publicacoes.uerj.br/index.php/demetra/article/view/3588/2716</a:t>
+            </a:r>
+            <a:r>
+              <a:rPr lang="pt-BR" dirty="0"/>
+              <a:t> - acessado em 10/09/2020</a:t>
+            </a:r>
+          </a:p>
+          <a:p>
+            <a:r>
+              <a:rPr lang="pt-BR" dirty="0"/>
+              <a:t>Caroline Dallacorte1;Francieli Dalcanton2;Marcelo Fabiano Costella3 - Análise da variação de temperatura de alimentos na cadeia de distribuição: uma revisão sistemática da literatura – 2018 – disponível em: </a:t>
+            </a:r>
+            <a:r>
+              <a:rPr lang="pt-BR" dirty="0">
+                <a:hlinkClick r:id="rId4"/>
+              </a:rPr>
+              <a:t>https://www.researchgate.net/publication/326908121_ANALISE_DA_VARIACAO_DE_TEMPERATURA_DE_ALIMENTOS_NA_CADEIA_DE_DISTRIBUICAO_UMA_REVISAO_SISTEMATICA_DA_LITERATURA</a:t>
+            </a:r>
+            <a:r>
+              <a:rPr lang="pt-BR" dirty="0"/>
+              <a:t> - acessado em 10/09/2020</a:t>
+            </a:r>
+          </a:p>
+          <a:p>
+            <a:r>
+              <a:rPr lang="pt-BR" dirty="0"/>
+              <a:t>UNIVERSIDADE TECNOLÓGICA FEDERAL DO PARANÁ- AVALIAÇÃO DA TEMPERATURA DE GÔNDOLAS DA REDE DE FRIOS DE SUPERMERCADOS DA CIDADE DE PONTA GROSSA –PR – 2016 – disponível em: </a:t>
+            </a:r>
+            <a:r>
+              <a:rPr lang="pt-BR" dirty="0">
+                <a:hlinkClick r:id="rId5"/>
+              </a:rPr>
+              <a:t>http://repositorio.roca.utfpr.edu.br/jspui/handle/1/8074</a:t>
+            </a:r>
+            <a:r>
+              <a:rPr lang="pt-BR" dirty="0"/>
+              <a:t> - acessado em 10/09/2020</a:t>
+            </a:r>
+          </a:p>
+          <a:p>
+            <a:endParaRPr lang="pt-BR" dirty="0"/>
+          </a:p>
           <a:p>
             <a:endParaRPr lang="pt-BR" dirty="0"/>
           </a:p>
@@ -7406,11 +7938,11 @@
   <p:clrMapOvr>
     <a:masterClrMapping/>
   </p:clrMapOvr>
-  <mc:AlternateContent xmlns:mc="http://schemas.openxmlformats.org/markup-compatibility/2006">
-    <mc:Choice xmlns:p14="http://schemas.microsoft.com/office/powerpoint/2010/main" Requires="p14">
+  <mc:AlternateContent xmlns:mc="http://schemas.openxmlformats.org/markup-compatibility/2006" xmlns:p14="http://schemas.microsoft.com/office/powerpoint/2010/main">
+    <mc:Choice Requires="p14">
       <p:transition p14:dur="0"/>
     </mc:Choice>
-    <mc:Fallback>
+    <mc:Fallback xmlns="">
       <p:transition/>
     </mc:Fallback>
   </mc:AlternateContent>
@@ -7461,7 +7993,10 @@
           <a:lstStyle/>
           <a:p>
             <a:r>
-              <a:rPr lang="pt-BR" sz="2800" dirty="0"/>
+              <a:rPr lang="pt-BR" sz="2800" dirty="0">
+                <a:latin typeface="Times New Roman" panose="02020603050405020304" pitchFamily="18" charset="0"/>
+                <a:cs typeface="Times New Roman" panose="02020603050405020304" pitchFamily="18" charset="0"/>
+              </a:rPr>
               <a:t>Escolha do tema: controle de temperatura em freezers de carne</a:t>
             </a:r>
           </a:p>
@@ -7497,46 +8032,70 @@
           <a:p>
             <a:pPr algn="just"/>
             <a:r>
-              <a:rPr lang="pt-BR" dirty="0"/>
+              <a:rPr lang="pt-BR" dirty="0">
+                <a:latin typeface="Arial" panose="020B0604020202020204" pitchFamily="34" charset="0"/>
+                <a:cs typeface="Arial" panose="020B0604020202020204" pitchFamily="34" charset="0"/>
+              </a:rPr>
               <a:t>-- Verificado ocorrência de perda de produtos devido falha no resfriamento dos freezer horizontais e verticais de mercados e açougues.</a:t>
             </a:r>
           </a:p>
           <a:p>
             <a:pPr algn="just"/>
-            <a:endParaRPr lang="pt-BR" dirty="0"/>
+            <a:endParaRPr lang="pt-BR" dirty="0">
+              <a:latin typeface="Arial" panose="020B0604020202020204" pitchFamily="34" charset="0"/>
+              <a:cs typeface="Arial" panose="020B0604020202020204" pitchFamily="34" charset="0"/>
+            </a:endParaRPr>
           </a:p>
           <a:p>
             <a:pPr algn="just"/>
             <a:r>
-              <a:rPr lang="pt-BR" dirty="0"/>
+              <a:rPr lang="pt-BR" dirty="0">
+                <a:latin typeface="Arial" panose="020B0604020202020204" pitchFamily="34" charset="0"/>
+                <a:cs typeface="Arial" panose="020B0604020202020204" pitchFamily="34" charset="0"/>
+              </a:rPr>
               <a:t>-- Muitos supermercados, varejistas e açougues perdem uma quantidade enorme de carnes todos os anos, pela falta de controle na temperatura.</a:t>
             </a:r>
           </a:p>
           <a:p>
             <a:pPr algn="just"/>
-            <a:endParaRPr lang="pt-BR" dirty="0"/>
+            <a:endParaRPr lang="pt-BR" dirty="0">
+              <a:latin typeface="Arial" panose="020B0604020202020204" pitchFamily="34" charset="0"/>
+              <a:cs typeface="Arial" panose="020B0604020202020204" pitchFamily="34" charset="0"/>
+            </a:endParaRPr>
           </a:p>
           <a:p>
             <a:pPr algn="just"/>
             <a:r>
-              <a:rPr lang="pt-BR" dirty="0"/>
+              <a:rPr lang="pt-BR" dirty="0">
+                <a:latin typeface="Arial" panose="020B0604020202020204" pitchFamily="34" charset="0"/>
+                <a:cs typeface="Arial" panose="020B0604020202020204" pitchFamily="34" charset="0"/>
+              </a:rPr>
               <a:t>-- Constatada necessidade de haver uma interface onde o responsável possa verificar informações em tempo real acerca do resfriamento dos produtos.</a:t>
             </a:r>
           </a:p>
           <a:p>
             <a:pPr algn="just"/>
-            <a:endParaRPr lang="pt-BR" dirty="0"/>
+            <a:endParaRPr lang="pt-BR" dirty="0">
+              <a:latin typeface="Arial" panose="020B0604020202020204" pitchFamily="34" charset="0"/>
+              <a:cs typeface="Arial" panose="020B0604020202020204" pitchFamily="34" charset="0"/>
+            </a:endParaRPr>
           </a:p>
           <a:p>
             <a:pPr algn="just"/>
             <a:r>
-              <a:rPr lang="pt-BR" dirty="0"/>
+              <a:rPr lang="pt-BR" dirty="0">
+                <a:latin typeface="Arial" panose="020B0604020202020204" pitchFamily="34" charset="0"/>
+                <a:cs typeface="Arial" panose="020B0604020202020204" pitchFamily="34" charset="0"/>
+              </a:rPr>
               <a:t>-- Desta forma, nota-se grande demanda por parte de mercados e açougues para a resolução desse problema afim de evitar grandes percas de mercadoria e afins. </a:t>
             </a:r>
           </a:p>
           <a:p>
             <a:pPr algn="just"/>
-            <a:endParaRPr lang="pt-BR" dirty="0"/>
+            <a:endParaRPr lang="pt-BR" dirty="0">
+              <a:latin typeface="Times New Roman" panose="02020603050405020304" pitchFamily="18" charset="0"/>
+              <a:cs typeface="Times New Roman" panose="02020603050405020304" pitchFamily="18" charset="0"/>
+            </a:endParaRPr>
           </a:p>
           <a:p>
             <a:pPr algn="just"/>
@@ -7554,11 +8113,11 @@
   <p:clrMapOvr>
     <a:masterClrMapping/>
   </p:clrMapOvr>
-  <mc:AlternateContent xmlns:mc="http://schemas.openxmlformats.org/markup-compatibility/2006">
-    <mc:Choice xmlns:p14="http://schemas.microsoft.com/office/powerpoint/2010/main" Requires="p14">
+  <mc:AlternateContent xmlns:mc="http://schemas.openxmlformats.org/markup-compatibility/2006" xmlns:p14="http://schemas.microsoft.com/office/powerpoint/2010/main">
+    <mc:Choice Requires="p14">
       <p:transition p14:dur="0"/>
     </mc:Choice>
-    <mc:Fallback>
+    <mc:Fallback xmlns="">
       <p:transition/>
     </mc:Fallback>
   </mc:AlternateContent>
@@ -7598,13 +8157,21 @@
             <p:ph type="title"/>
           </p:nvPr>
         </p:nvSpPr>
-        <p:spPr/>
+        <p:spPr>
+          <a:xfrm>
+            <a:off x="1522414" y="548680"/>
+            <a:ext cx="9144000" cy="913408"/>
+          </a:xfrm>
+        </p:spPr>
         <p:txBody>
           <a:bodyPr/>
           <a:lstStyle/>
           <a:p>
             <a:r>
-              <a:rPr lang="pt-BR" dirty="0"/>
+              <a:rPr lang="pt-BR" dirty="0">
+                <a:latin typeface="Times New Roman" panose="02020603050405020304" pitchFamily="18" charset="0"/>
+                <a:cs typeface="Times New Roman" panose="02020603050405020304" pitchFamily="18" charset="0"/>
+              </a:rPr>
               <a:t>Objetivo do projeto</a:t>
             </a:r>
           </a:p>
@@ -7642,7 +8209,10 @@
               <a:buNone/>
             </a:pPr>
             <a:r>
-              <a:rPr lang="pt-BR" dirty="0"/>
+              <a:rPr lang="pt-BR" dirty="0">
+                <a:latin typeface="Arial" panose="020B0604020202020204" pitchFamily="34" charset="0"/>
+                <a:cs typeface="Arial" panose="020B0604020202020204" pitchFamily="34" charset="0"/>
+              </a:rPr>
               <a:t>O intuito é controlar e monitorar as temperaturas de carnes armazenadas em balcões ou freezers horizontais e verticais de tal forma a passar informações em tempo real ao responsável do estabelecimento.</a:t>
             </a:r>
           </a:p>
@@ -7662,8 +8232,8 @@
         </p:nvSpPr>
         <p:spPr>
           <a:xfrm>
-            <a:off x="1629916" y="3059668"/>
-            <a:ext cx="6094602" cy="369332"/>
+            <a:off x="1629950" y="2967040"/>
+            <a:ext cx="6094602" cy="646331"/>
           </a:xfrm>
           <a:prstGeom prst="rect">
             <a:avLst/>
@@ -7677,10 +8247,15 @@
           <a:lstStyle/>
           <a:p>
             <a:r>
-              <a:rPr lang="pt-BR" dirty="0">
+              <a:rPr lang="pt-BR" sz="3600" dirty="0">
                 <a:solidFill>
-                  <a:srgbClr val="FF0000"/>
+                  <a:schemeClr val="tx1">
+                    <a:lumMod val="75000"/>
+                    <a:lumOff val="25000"/>
+                  </a:schemeClr>
                 </a:solidFill>
+                <a:latin typeface="Times New Roman" panose="02020603050405020304" pitchFamily="18" charset="0"/>
+                <a:cs typeface="Times New Roman" panose="02020603050405020304" pitchFamily="18" charset="0"/>
               </a:rPr>
               <a:t>Por quê?</a:t>
             </a:r>
@@ -7702,7 +8277,7 @@
         <p:spPr>
           <a:xfrm>
             <a:off x="1629916" y="3573016"/>
-            <a:ext cx="6094602" cy="1754326"/>
+            <a:ext cx="6094602" cy="2031325"/>
           </a:xfrm>
           <a:prstGeom prst="rect">
             <a:avLst/>
@@ -7717,7 +8292,10 @@
           <a:p>
             <a:pPr algn="just"/>
             <a:r>
-              <a:rPr lang="pt-BR" dirty="0"/>
+              <a:rPr lang="pt-BR" dirty="0">
+                <a:latin typeface="Arial" panose="020B0604020202020204" pitchFamily="34" charset="0"/>
+                <a:cs typeface="Arial" panose="020B0604020202020204" pitchFamily="34" charset="0"/>
+              </a:rPr>
               <a:t>Através do estudo apresentado, vemos que existem índices e dados referentes tanto a desperdícios de carnes e derivados quanto a má conservação dos mesmos, indicando alto prejuízo aos estabelecimentos, por não terem controle ou até mesmo meios de armazenamentos corretos decretados pela lei de numero nº 4/2014 – DIVISA/SVS/SES.</a:t>
             </a:r>
           </a:p>
@@ -7733,11 +8311,11 @@
   <p:clrMapOvr>
     <a:masterClrMapping/>
   </p:clrMapOvr>
-  <mc:AlternateContent xmlns:mc="http://schemas.openxmlformats.org/markup-compatibility/2006">
-    <mc:Choice xmlns:p14="http://schemas.microsoft.com/office/powerpoint/2010/main" Requires="p14">
+  <mc:AlternateContent xmlns:mc="http://schemas.openxmlformats.org/markup-compatibility/2006" xmlns:p14="http://schemas.microsoft.com/office/powerpoint/2010/main">
+    <mc:Choice Requires="p14">
       <p:transition p14:dur="0"/>
     </mc:Choice>
-    <mc:Fallback>
+    <mc:Fallback xmlns="">
       <p:transition/>
     </mc:Fallback>
   </mc:AlternateContent>
@@ -7790,7 +8368,10 @@
           <a:lstStyle/>
           <a:p>
             <a:r>
-              <a:rPr lang="pt-BR" dirty="0"/>
+              <a:rPr lang="pt-BR" dirty="0">
+                <a:latin typeface="Times New Roman" panose="02020603050405020304" pitchFamily="18" charset="0"/>
+                <a:cs typeface="Times New Roman" panose="02020603050405020304" pitchFamily="18" charset="0"/>
+              </a:rPr>
               <a:t>Acontecimentos práticos </a:t>
             </a:r>
           </a:p>
@@ -7826,14 +8407,20 @@
           <a:p>
             <a:pPr algn="just"/>
             <a:r>
-              <a:rPr lang="pt-BR" sz="3200" dirty="0"/>
+              <a:rPr lang="pt-BR" sz="3200" dirty="0">
+                <a:latin typeface="Arial" panose="020B0604020202020204" pitchFamily="34" charset="0"/>
+                <a:cs typeface="Arial" panose="020B0604020202020204" pitchFamily="34" charset="0"/>
+              </a:rPr>
               <a:t>De acordo com a Organização das Nações Unidas para a Alimentação e Agricultura (FAO) (2016), 1,3 bilhões de toneladas de alimentos são desperdiçados por ano no mundo todo, sendo 20% de carnes e laticínios, ou seja 260 milhões de toneladas de carne.</a:t>
             </a:r>
           </a:p>
           <a:p>
             <a:pPr algn="just"/>
             <a:r>
-              <a:rPr lang="pt-BR" sz="3200" dirty="0"/>
+              <a:rPr lang="pt-BR" sz="3200" dirty="0">
+                <a:latin typeface="Arial" panose="020B0604020202020204" pitchFamily="34" charset="0"/>
+                <a:cs typeface="Arial" panose="020B0604020202020204" pitchFamily="34" charset="0"/>
+              </a:rPr>
               <a:t>39% das perdas ocorrem nas etapas de distribuição e armazenamento, ocasionando grande perda econômica, tendo impacto significativo nos recursos naturais. </a:t>
             </a:r>
           </a:p>
@@ -7849,11 +8436,11 @@
   <p:clrMapOvr>
     <a:masterClrMapping/>
   </p:clrMapOvr>
-  <mc:AlternateContent xmlns:mc="http://schemas.openxmlformats.org/markup-compatibility/2006">
-    <mc:Choice xmlns:p14="http://schemas.microsoft.com/office/powerpoint/2010/main" Requires="p14">
+  <mc:AlternateContent xmlns:mc="http://schemas.openxmlformats.org/markup-compatibility/2006" xmlns:p14="http://schemas.microsoft.com/office/powerpoint/2010/main">
+    <mc:Choice Requires="p14">
       <p:transition p14:dur="0"/>
     </mc:Choice>
-    <mc:Fallback>
+    <mc:Fallback xmlns="">
       <p:transition/>
     </mc:Fallback>
   </mc:AlternateContent>
@@ -7904,7 +8491,10 @@
           <a:lstStyle/>
           <a:p>
             <a:r>
-              <a:rPr lang="pt-BR" dirty="0"/>
+              <a:rPr lang="pt-BR" dirty="0">
+                <a:latin typeface="Times New Roman" panose="02020603050405020304" pitchFamily="18" charset="0"/>
+                <a:cs typeface="Times New Roman" panose="02020603050405020304" pitchFamily="18" charset="0"/>
+              </a:rPr>
               <a:t>Tipos de Freezer</a:t>
             </a:r>
           </a:p>
@@ -7929,7 +8519,7 @@
         <p:spPr>
           <a:xfrm>
             <a:off x="1522412" y="1643063"/>
-            <a:ext cx="4480560" cy="4529137"/>
+            <a:ext cx="4480560" cy="4738264"/>
           </a:xfrm>
         </p:spPr>
         <p:txBody>
@@ -7945,15 +8535,31 @@
               <a:buNone/>
             </a:pPr>
             <a:r>
-              <a:rPr lang="pt-BR" sz="6400" b="1" dirty="0">
+              <a:rPr lang="pt-BR" sz="7200" b="1" dirty="0">
+                <a:solidFill>
+                  <a:schemeClr val="tx1">
+                    <a:lumMod val="75000"/>
+                    <a:lumOff val="25000"/>
+                  </a:schemeClr>
+                </a:solidFill>
                 <a:effectLst/>
+                <a:latin typeface="Times New Roman" panose="02020603050405020304" pitchFamily="18" charset="0"/>
                 <a:ea typeface="Times New Roman" panose="02020603050405020304" pitchFamily="18" charset="0"/>
+                <a:cs typeface="Times New Roman" panose="02020603050405020304" pitchFamily="18" charset="0"/>
               </a:rPr>
               <a:t>Freezers domésticos verticais</a:t>
             </a:r>
-            <a:endParaRPr lang="pt-BR" sz="6400" dirty="0">
+            <a:endParaRPr lang="pt-BR" sz="7200" dirty="0">
+              <a:solidFill>
+                <a:schemeClr val="tx1">
+                  <a:lumMod val="75000"/>
+                  <a:lumOff val="25000"/>
+                </a:schemeClr>
+              </a:solidFill>
               <a:effectLst/>
+              <a:latin typeface="Times New Roman" panose="02020603050405020304" pitchFamily="18" charset="0"/>
               <a:ea typeface="Times New Roman" panose="02020603050405020304" pitchFamily="18" charset="0"/>
+              <a:cs typeface="Times New Roman" panose="02020603050405020304" pitchFamily="18" charset="0"/>
             </a:endParaRPr>
           </a:p>
           <a:p>
@@ -7966,7 +8572,9 @@
             <a:r>
               <a:rPr lang="pt-BR" sz="6400" dirty="0">
                 <a:effectLst/>
+                <a:latin typeface="Arial" panose="020B0604020202020204" pitchFamily="34" charset="0"/>
                 <a:ea typeface="Times New Roman" panose="02020603050405020304" pitchFamily="18" charset="0"/>
+                <a:cs typeface="Arial" panose="020B0604020202020204" pitchFamily="34" charset="0"/>
               </a:rPr>
               <a:t>Esse tipo de freezer doméstico fica na posição vertical se parecendo com uma geladeira. Ele consegue deixar os alimentos bem mais gelados e pode atingir até -25º C. Existem alguns menores com capacidade de 131 litros e alguns maiores com 246 litros.</a:t>
             </a:r>
@@ -7979,15 +8587,31 @@
               <a:buNone/>
             </a:pPr>
             <a:r>
-              <a:rPr lang="pt-BR" sz="6400" b="1" dirty="0">
+              <a:rPr lang="pt-BR" sz="7200" b="1" dirty="0">
+                <a:solidFill>
+                  <a:schemeClr val="tx1">
+                    <a:lumMod val="75000"/>
+                    <a:lumOff val="25000"/>
+                  </a:schemeClr>
+                </a:solidFill>
                 <a:effectLst/>
+                <a:latin typeface="Times New Roman" panose="02020603050405020304" pitchFamily="18" charset="0"/>
                 <a:ea typeface="Times New Roman" panose="02020603050405020304" pitchFamily="18" charset="0"/>
+                <a:cs typeface="Times New Roman" panose="02020603050405020304" pitchFamily="18" charset="0"/>
               </a:rPr>
               <a:t>Freezers domésticos horizontais</a:t>
             </a:r>
-            <a:endParaRPr lang="pt-BR" sz="6400" dirty="0">
+            <a:endParaRPr lang="pt-BR" sz="7200" dirty="0">
+              <a:solidFill>
+                <a:schemeClr val="tx1">
+                  <a:lumMod val="75000"/>
+                  <a:lumOff val="25000"/>
+                </a:schemeClr>
+              </a:solidFill>
               <a:effectLst/>
+              <a:latin typeface="Times New Roman" panose="02020603050405020304" pitchFamily="18" charset="0"/>
               <a:ea typeface="Times New Roman" panose="02020603050405020304" pitchFamily="18" charset="0"/>
+              <a:cs typeface="Times New Roman" panose="02020603050405020304" pitchFamily="18" charset="0"/>
             </a:endParaRPr>
           </a:p>
           <a:p>
@@ -8000,7 +8624,9 @@
             <a:r>
               <a:rPr lang="pt-BR" sz="6400" dirty="0">
                 <a:effectLst/>
+                <a:latin typeface="Arial" panose="020B0604020202020204" pitchFamily="34" charset="0"/>
                 <a:ea typeface="Times New Roman" panose="02020603050405020304" pitchFamily="18" charset="0"/>
+                <a:cs typeface="Arial" panose="020B0604020202020204" pitchFamily="34" charset="0"/>
               </a:rPr>
               <a:t>São indicados para quem quer um maior espaço para poder conservar os alimentos. Eles são bem maiores e, por isso, precisam de bastante espaço dentro de casa. Há modelos para armazenar mais de 500 litros, mas há menores de 60 litros.</a:t>
             </a:r>
@@ -8057,15 +8683,31 @@
               <a:buNone/>
             </a:pPr>
             <a:r>
-              <a:rPr lang="pt-BR" sz="6400" b="1" dirty="0">
+              <a:rPr lang="pt-BR" sz="7200" b="1" dirty="0">
+                <a:solidFill>
+                  <a:schemeClr val="tx1">
+                    <a:lumMod val="75000"/>
+                    <a:lumOff val="25000"/>
+                  </a:schemeClr>
+                </a:solidFill>
                 <a:effectLst/>
+                <a:latin typeface="Times New Roman" panose="02020603050405020304" pitchFamily="18" charset="0"/>
                 <a:ea typeface="Times New Roman" panose="02020603050405020304" pitchFamily="18" charset="0"/>
+                <a:cs typeface="Times New Roman" panose="02020603050405020304" pitchFamily="18" charset="0"/>
               </a:rPr>
               <a:t>Freezers comerciais verticais e horizontais</a:t>
             </a:r>
-            <a:endParaRPr lang="pt-BR" sz="6400" dirty="0">
+            <a:endParaRPr lang="pt-BR" sz="7200" dirty="0">
+              <a:solidFill>
+                <a:schemeClr val="tx1">
+                  <a:lumMod val="75000"/>
+                  <a:lumOff val="25000"/>
+                </a:schemeClr>
+              </a:solidFill>
               <a:effectLst/>
+              <a:latin typeface="Times New Roman" panose="02020603050405020304" pitchFamily="18" charset="0"/>
               <a:ea typeface="Times New Roman" panose="02020603050405020304" pitchFamily="18" charset="0"/>
+              <a:cs typeface="Times New Roman" panose="02020603050405020304" pitchFamily="18" charset="0"/>
             </a:endParaRPr>
           </a:p>
           <a:p>
@@ -8078,7 +8720,9 @@
             <a:r>
               <a:rPr lang="pt-BR" sz="6400" dirty="0">
                 <a:effectLst/>
+                <a:latin typeface="Arial" panose="020B0604020202020204" pitchFamily="34" charset="0"/>
                 <a:ea typeface="Times New Roman" panose="02020603050405020304" pitchFamily="18" charset="0"/>
+                <a:cs typeface="Arial" panose="020B0604020202020204" pitchFamily="34" charset="0"/>
               </a:rPr>
               <a:t>Esse tipo de freezer é indicado para estabelecimentos comerciais, como lanchonetes, bares, etc. Capacidade de armazenamento de mais de 500 Litros.</a:t>
             </a:r>
@@ -8148,20 +8792,32 @@
               <a:buNone/>
             </a:pPr>
             <a:r>
+              <a:rPr lang="pt-BR" sz="5600" dirty="0">
+                <a:latin typeface="Times New Roman" panose="02020603050405020304" pitchFamily="18" charset="0"/>
+                <a:ea typeface="Times New Roman" panose="02020603050405020304" pitchFamily="18" charset="0"/>
+                <a:cs typeface="Times New Roman" panose="02020603050405020304" pitchFamily="18" charset="0"/>
+              </a:rPr>
+              <a:t>Freezer Vertical</a:t>
+            </a:r>
+            <a:r>
               <a:rPr lang="pt-BR" sz="6400" dirty="0">
                 <a:ea typeface="Times New Roman" panose="02020603050405020304" pitchFamily="18" charset="0"/>
               </a:rPr>
-              <a:t>Freezer Vertical		</a:t>
+              <a:t>		</a:t>
             </a:r>
             <a:r>
               <a:rPr lang="pt-BR" sz="5600" dirty="0">
+                <a:latin typeface="Times New Roman" panose="02020603050405020304" pitchFamily="18" charset="0"/>
                 <a:ea typeface="Times New Roman" panose="02020603050405020304" pitchFamily="18" charset="0"/>
+                <a:cs typeface="Times New Roman" panose="02020603050405020304" pitchFamily="18" charset="0"/>
               </a:rPr>
               <a:t>Freezer Horizontal</a:t>
             </a:r>
             <a:endParaRPr lang="pt-BR" sz="5600" dirty="0">
               <a:effectLst/>
+              <a:latin typeface="Times New Roman" panose="02020603050405020304" pitchFamily="18" charset="0"/>
               <a:ea typeface="Times New Roman" panose="02020603050405020304" pitchFamily="18" charset="0"/>
+              <a:cs typeface="Times New Roman" panose="02020603050405020304" pitchFamily="18" charset="0"/>
             </a:endParaRPr>
           </a:p>
           <a:p>
@@ -8257,11 +8913,11 @@
   <p:clrMapOvr>
     <a:masterClrMapping/>
   </p:clrMapOvr>
-  <mc:AlternateContent xmlns:mc="http://schemas.openxmlformats.org/markup-compatibility/2006">
-    <mc:Choice xmlns:p14="http://schemas.microsoft.com/office/powerpoint/2010/main" Requires="p14">
+  <mc:AlternateContent xmlns:mc="http://schemas.openxmlformats.org/markup-compatibility/2006" xmlns:p14="http://schemas.microsoft.com/office/powerpoint/2010/main">
+    <mc:Choice Requires="p14">
       <p:transition p14:dur="0"/>
     </mc:Choice>
-    <mc:Fallback>
+    <mc:Fallback xmlns="">
       <p:transition/>
     </mc:Fallback>
   </mc:AlternateContent>
@@ -8312,7 +8968,10 @@
           <a:lstStyle/>
           <a:p>
             <a:r>
-              <a:rPr lang="en-US" dirty="0"/>
+              <a:rPr lang="en-US" dirty="0">
+                <a:latin typeface="Times New Roman" panose="02020603050405020304" pitchFamily="18" charset="0"/>
+                <a:cs typeface="Times New Roman" panose="02020603050405020304" pitchFamily="18" charset="0"/>
+              </a:rPr>
               <a:t>Dados de Tocantins, Mercado A</a:t>
             </a:r>
           </a:p>
@@ -8336,8 +8995,8 @@
         </p:nvSpPr>
         <p:spPr>
           <a:xfrm>
-            <a:off x="7390556" y="1484784"/>
-            <a:ext cx="3491882" cy="5248047"/>
+            <a:off x="7534572" y="900056"/>
+            <a:ext cx="3491882" cy="5697422"/>
           </a:xfrm>
         </p:spPr>
         <p:txBody>
@@ -8348,17 +9007,26 @@
           <a:p>
             <a:pPr algn="just"/>
             <a:r>
-              <a:rPr lang="pt-BR" sz="1800" dirty="0"/>
+              <a:rPr lang="pt-BR" sz="1800" dirty="0">
+                <a:latin typeface="Arial" panose="020B0604020202020204" pitchFamily="34" charset="0"/>
+                <a:cs typeface="Arial" panose="020B0604020202020204" pitchFamily="34" charset="0"/>
+              </a:rPr>
               <a:t>Supermercados A e B estando o supermercado A localizado na região Sul, o supermercado B na região 19 Central no Tocantins.</a:t>
             </a:r>
           </a:p>
           <a:p>
             <a:pPr algn="just"/>
             <a:r>
-              <a:rPr lang="pt-BR" sz="1800" dirty="0"/>
+              <a:rPr lang="pt-BR" sz="1800" dirty="0">
+                <a:latin typeface="Arial" panose="020B0604020202020204" pitchFamily="34" charset="0"/>
+                <a:cs typeface="Arial" panose="020B0604020202020204" pitchFamily="34" charset="0"/>
+              </a:rPr>
               <a:t>Em relação ao balcão contendo carne em pedaços, o Supermercado A obteve médias de temperaturas variando entre 1,17°C e 6,53°C, onde as menores temperaturas foram registradas no horário de 7h. No geral, apenas dois do seis valores medidos se encontravam dentro da temperatura estabelecida pela Legislação (4°C), representando 33,3% do total, enquanto os outros 66,7% estavam fora do padrão. </a:t>
             </a:r>
-            <a:endParaRPr lang="en-US" sz="1800" dirty="0"/>
+            <a:endParaRPr lang="en-US" sz="1800" dirty="0">
+              <a:latin typeface="Arial" panose="020B0604020202020204" pitchFamily="34" charset="0"/>
+              <a:cs typeface="Arial" panose="020B0604020202020204" pitchFamily="34" charset="0"/>
+            </a:endParaRPr>
           </a:p>
         </p:txBody>
       </p:sp>
@@ -8392,7 +9060,7 @@
         </p:blipFill>
         <p:spPr>
           <a:xfrm>
-            <a:off x="1522411" y="939692"/>
+            <a:off x="1522412" y="1124744"/>
             <a:ext cx="5151456" cy="5248047"/>
           </a:xfrm>
         </p:spPr>
@@ -8407,11 +9075,11 @@
   <p:clrMapOvr>
     <a:masterClrMapping/>
   </p:clrMapOvr>
-  <mc:AlternateContent xmlns:mc="http://schemas.openxmlformats.org/markup-compatibility/2006">
-    <mc:Choice xmlns:p14="http://schemas.microsoft.com/office/powerpoint/2010/main" Requires="p14">
+  <mc:AlternateContent xmlns:mc="http://schemas.openxmlformats.org/markup-compatibility/2006" xmlns:p14="http://schemas.microsoft.com/office/powerpoint/2010/main">
+    <mc:Choice Requires="p14">
       <p:transition p14:dur="0"/>
     </mc:Choice>
-    <mc:Fallback>
+    <mc:Fallback xmlns="">
       <p:transition/>
     </mc:Fallback>
   </mc:AlternateContent>
@@ -8464,11 +9132,17 @@
           <a:lstStyle/>
           <a:p>
             <a:r>
-              <a:rPr lang="en-US" dirty="0"/>
+              <a:rPr lang="en-US" dirty="0">
+                <a:latin typeface="Times New Roman" panose="02020603050405020304" pitchFamily="18" charset="0"/>
+                <a:cs typeface="Times New Roman" panose="02020603050405020304" pitchFamily="18" charset="0"/>
+              </a:rPr>
               <a:t>Dados de Tocantins , </a:t>
             </a:r>
             <a:r>
-              <a:rPr lang="pt-BR" dirty="0"/>
+              <a:rPr lang="pt-BR" dirty="0">
+                <a:latin typeface="Times New Roman" panose="02020603050405020304" pitchFamily="18" charset="0"/>
+                <a:cs typeface="Times New Roman" panose="02020603050405020304" pitchFamily="18" charset="0"/>
+              </a:rPr>
               <a:t>Mercado B</a:t>
             </a:r>
           </a:p>
@@ -8489,7 +9163,7 @@
         <p:spPr>
           <a:xfrm>
             <a:off x="6454454" y="985866"/>
-            <a:ext cx="4608510" cy="5262979"/>
+            <a:ext cx="4608510" cy="5632311"/>
           </a:xfrm>
           <a:prstGeom prst="rect">
             <a:avLst/>
@@ -8504,7 +9178,10 @@
           <a:p>
             <a:pPr algn="just"/>
             <a:r>
-              <a:rPr lang="pt-BR" sz="2400" dirty="0"/>
+              <a:rPr lang="pt-BR" sz="2400" dirty="0">
+                <a:latin typeface="Arial" panose="020B0604020202020204" pitchFamily="34" charset="0"/>
+                <a:cs typeface="Arial" panose="020B0604020202020204" pitchFamily="34" charset="0"/>
+              </a:rPr>
               <a:t>Todos os supermercados apresentaram irregularidades em relação à temperatura de refrigeração de balcões de armazenamento de produtos perecíveis, o que representa um grave risco ao consumidor. Dessa forma, os estabelecimentos devem tomar medidas para que os alimentos sejam armazenados adequadamente e os órgãos de fiscalização devem intensificar a vigilância, garantindo maior segurança ao consumidor.</a:t>
             </a:r>
           </a:p>
@@ -8540,8 +9217,8 @@
         </p:blipFill>
         <p:spPr>
           <a:xfrm>
-            <a:off x="1629916" y="985866"/>
-            <a:ext cx="4726501" cy="5035422"/>
+            <a:off x="1270760" y="985866"/>
+            <a:ext cx="4726501" cy="5262978"/>
           </a:xfrm>
         </p:spPr>
       </p:pic>
@@ -8555,11 +9232,11 @@
   <p:clrMapOvr>
     <a:masterClrMapping/>
   </p:clrMapOvr>
-  <mc:AlternateContent xmlns:mc="http://schemas.openxmlformats.org/markup-compatibility/2006">
-    <mc:Choice xmlns:p14="http://schemas.microsoft.com/office/powerpoint/2010/main" Requires="p14">
+  <mc:AlternateContent xmlns:mc="http://schemas.openxmlformats.org/markup-compatibility/2006" xmlns:p14="http://schemas.microsoft.com/office/powerpoint/2010/main">
+    <mc:Choice Requires="p14">
       <p:transition p14:dur="0"/>
     </mc:Choice>
-    <mc:Fallback>
+    <mc:Fallback xmlns="">
       <p:transition/>
     </mc:Fallback>
   </mc:AlternateContent>
@@ -8601,8 +9278,8 @@
         </p:nvSpPr>
         <p:spPr>
           <a:xfrm>
-            <a:off x="1522414" y="319088"/>
-            <a:ext cx="9144000" cy="1143000"/>
+            <a:off x="1520351" y="172958"/>
+            <a:ext cx="9144000" cy="720080"/>
           </a:xfrm>
         </p:spPr>
         <p:txBody>
@@ -8613,12 +9290,12 @@
           <a:p>
             <a:pPr algn="ctr"/>
             <a:r>
-              <a:rPr lang="pt-BR" dirty="0"/>
+              <a:rPr lang="pt-BR" dirty="0">
+                <a:latin typeface="Times New Roman" panose="02020603050405020304" pitchFamily="18" charset="0"/>
+                <a:cs typeface="Times New Roman" panose="02020603050405020304" pitchFamily="18" charset="0"/>
+              </a:rPr>
               <a:t>Qual possível solução?</a:t>
             </a:r>
-            <a:br>
-              <a:rPr lang="pt-BR" dirty="0"/>
-            </a:br>
             <a:endParaRPr lang="pt-BR" dirty="0"/>
           </a:p>
         </p:txBody>
@@ -8682,127 +9359,220 @@
           <a:p>
             <a:pPr algn="just"/>
             <a:r>
-              <a:rPr lang="en-US" sz="1600" dirty="0"/>
+              <a:rPr lang="en-US" sz="1600" dirty="0">
+                <a:latin typeface="Arial" panose="020B0604020202020204" pitchFamily="34" charset="0"/>
+                <a:cs typeface="Arial" panose="020B0604020202020204" pitchFamily="34" charset="0"/>
+              </a:rPr>
               <a:t>Por </a:t>
             </a:r>
             <a:r>
-              <a:rPr lang="en-US" sz="1600" dirty="0" err="1"/>
+              <a:rPr lang="en-US" sz="1600" dirty="0" err="1">
+                <a:latin typeface="Arial" panose="020B0604020202020204" pitchFamily="34" charset="0"/>
+                <a:cs typeface="Arial" panose="020B0604020202020204" pitchFamily="34" charset="0"/>
+              </a:rPr>
               <a:t>meio</a:t>
             </a:r>
             <a:r>
-              <a:rPr lang="en-US" sz="1600" dirty="0"/>
+              <a:rPr lang="en-US" sz="1600" dirty="0">
+                <a:latin typeface="Arial" panose="020B0604020202020204" pitchFamily="34" charset="0"/>
+                <a:cs typeface="Arial" panose="020B0604020202020204" pitchFamily="34" charset="0"/>
+              </a:rPr>
               <a:t> de um </a:t>
             </a:r>
             <a:r>
-              <a:rPr lang="en-US" sz="1600" dirty="0" err="1"/>
+              <a:rPr lang="en-US" sz="1600" dirty="0" err="1">
+                <a:latin typeface="Arial" panose="020B0604020202020204" pitchFamily="34" charset="0"/>
+                <a:cs typeface="Arial" panose="020B0604020202020204" pitchFamily="34" charset="0"/>
+              </a:rPr>
               <a:t>gráfico</a:t>
             </a:r>
             <a:r>
-              <a:rPr lang="en-US" sz="1600" dirty="0"/>
+              <a:rPr lang="en-US" sz="1600" dirty="0">
+                <a:latin typeface="Arial" panose="020B0604020202020204" pitchFamily="34" charset="0"/>
+                <a:cs typeface="Arial" panose="020B0604020202020204" pitchFamily="34" charset="0"/>
+              </a:rPr>
               <a:t>, é </a:t>
             </a:r>
             <a:r>
-              <a:rPr lang="en-US" sz="1600" dirty="0" err="1"/>
+              <a:rPr lang="en-US" sz="1600" dirty="0" err="1">
+                <a:latin typeface="Arial" panose="020B0604020202020204" pitchFamily="34" charset="0"/>
+                <a:cs typeface="Arial" panose="020B0604020202020204" pitchFamily="34" charset="0"/>
+              </a:rPr>
               <a:t>possível</a:t>
             </a:r>
             <a:r>
-              <a:rPr lang="en-US" sz="1600" dirty="0"/>
+              <a:rPr lang="en-US" sz="1600" dirty="0">
+                <a:latin typeface="Arial" panose="020B0604020202020204" pitchFamily="34" charset="0"/>
+                <a:cs typeface="Arial" panose="020B0604020202020204" pitchFamily="34" charset="0"/>
+              </a:rPr>
               <a:t> </a:t>
             </a:r>
             <a:r>
-              <a:rPr lang="en-US" sz="1600" dirty="0" err="1"/>
+              <a:rPr lang="en-US" sz="1600" dirty="0" err="1">
+                <a:latin typeface="Arial" panose="020B0604020202020204" pitchFamily="34" charset="0"/>
+                <a:cs typeface="Arial" panose="020B0604020202020204" pitchFamily="34" charset="0"/>
+              </a:rPr>
               <a:t>acompanhar</a:t>
             </a:r>
             <a:r>
-              <a:rPr lang="en-US" sz="1600" dirty="0"/>
+              <a:rPr lang="en-US" sz="1600" dirty="0">
+                <a:latin typeface="Arial" panose="020B0604020202020204" pitchFamily="34" charset="0"/>
+                <a:cs typeface="Arial" panose="020B0604020202020204" pitchFamily="34" charset="0"/>
+              </a:rPr>
               <a:t> as </a:t>
             </a:r>
             <a:r>
-              <a:rPr lang="en-US" sz="1600" dirty="0" err="1"/>
+              <a:rPr lang="en-US" sz="1600" dirty="0" err="1">
+                <a:latin typeface="Arial" panose="020B0604020202020204" pitchFamily="34" charset="0"/>
+                <a:cs typeface="Arial" panose="020B0604020202020204" pitchFamily="34" charset="0"/>
+              </a:rPr>
               <a:t>informações</a:t>
             </a:r>
             <a:r>
-              <a:rPr lang="en-US" sz="1600" dirty="0"/>
+              <a:rPr lang="en-US" sz="1600" dirty="0">
+                <a:latin typeface="Arial" panose="020B0604020202020204" pitchFamily="34" charset="0"/>
+                <a:cs typeface="Arial" panose="020B0604020202020204" pitchFamily="34" charset="0"/>
+              </a:rPr>
               <a:t> dos </a:t>
             </a:r>
             <a:r>
-              <a:rPr lang="en-US" sz="1600" dirty="0" err="1"/>
+              <a:rPr lang="en-US" sz="1600" dirty="0" err="1">
+                <a:latin typeface="Arial" panose="020B0604020202020204" pitchFamily="34" charset="0"/>
+                <a:cs typeface="Arial" panose="020B0604020202020204" pitchFamily="34" charset="0"/>
+              </a:rPr>
               <a:t>balções</a:t>
             </a:r>
             <a:r>
-              <a:rPr lang="en-US" sz="1600" dirty="0"/>
+              <a:rPr lang="en-US" sz="1600" dirty="0">
+                <a:latin typeface="Arial" panose="020B0604020202020204" pitchFamily="34" charset="0"/>
+                <a:cs typeface="Arial" panose="020B0604020202020204" pitchFamily="34" charset="0"/>
+              </a:rPr>
               <a:t> de forma individual, </a:t>
             </a:r>
             <a:r>
-              <a:rPr lang="en-US" sz="1600" dirty="0" err="1"/>
+              <a:rPr lang="en-US" sz="1600" dirty="0" err="1">
+                <a:latin typeface="Arial" panose="020B0604020202020204" pitchFamily="34" charset="0"/>
+                <a:cs typeface="Arial" panose="020B0604020202020204" pitchFamily="34" charset="0"/>
+              </a:rPr>
               <a:t>sabendo</a:t>
             </a:r>
             <a:r>
-              <a:rPr lang="en-US" sz="1600" dirty="0"/>
+              <a:rPr lang="en-US" sz="1600" dirty="0">
+                <a:latin typeface="Arial" panose="020B0604020202020204" pitchFamily="34" charset="0"/>
+                <a:cs typeface="Arial" panose="020B0604020202020204" pitchFamily="34" charset="0"/>
+              </a:rPr>
               <a:t> a </a:t>
             </a:r>
             <a:r>
-              <a:rPr lang="en-US" sz="1600" dirty="0" err="1"/>
+              <a:rPr lang="en-US" sz="1600" dirty="0" err="1">
+                <a:latin typeface="Arial" panose="020B0604020202020204" pitchFamily="34" charset="0"/>
+                <a:cs typeface="Arial" panose="020B0604020202020204" pitchFamily="34" charset="0"/>
+              </a:rPr>
               <a:t>temperatura</a:t>
             </a:r>
             <a:r>
-              <a:rPr lang="en-US" sz="1600" dirty="0"/>
+              <a:rPr lang="en-US" sz="1600" dirty="0">
+                <a:latin typeface="Arial" panose="020B0604020202020204" pitchFamily="34" charset="0"/>
+                <a:cs typeface="Arial" panose="020B0604020202020204" pitchFamily="34" charset="0"/>
+              </a:rPr>
               <a:t> </a:t>
             </a:r>
             <a:r>
-              <a:rPr lang="en-US" sz="1600" dirty="0" err="1"/>
+              <a:rPr lang="en-US" sz="1600" dirty="0" err="1">
+                <a:latin typeface="Arial" panose="020B0604020202020204" pitchFamily="34" charset="0"/>
+                <a:cs typeface="Arial" panose="020B0604020202020204" pitchFamily="34" charset="0"/>
+              </a:rPr>
               <a:t>atual</a:t>
             </a:r>
             <a:r>
-              <a:rPr lang="en-US" sz="1600" dirty="0"/>
+              <a:rPr lang="en-US" sz="1600" dirty="0">
+                <a:latin typeface="Arial" panose="020B0604020202020204" pitchFamily="34" charset="0"/>
+                <a:cs typeface="Arial" panose="020B0604020202020204" pitchFamily="34" charset="0"/>
+              </a:rPr>
               <a:t> dos </a:t>
             </a:r>
             <a:r>
-              <a:rPr lang="en-US" sz="1600" dirty="0" err="1"/>
+              <a:rPr lang="en-US" sz="1600" dirty="0" err="1">
+                <a:latin typeface="Arial" panose="020B0604020202020204" pitchFamily="34" charset="0"/>
+                <a:cs typeface="Arial" panose="020B0604020202020204" pitchFamily="34" charset="0"/>
+              </a:rPr>
               <a:t>produtos</a:t>
             </a:r>
             <a:r>
-              <a:rPr lang="en-US" sz="1600" dirty="0"/>
+              <a:rPr lang="en-US" sz="1600" dirty="0">
+                <a:latin typeface="Arial" panose="020B0604020202020204" pitchFamily="34" charset="0"/>
+                <a:cs typeface="Arial" panose="020B0604020202020204" pitchFamily="34" charset="0"/>
+              </a:rPr>
               <a:t> e </a:t>
             </a:r>
             <a:r>
-              <a:rPr lang="en-US" sz="1600" dirty="0" err="1"/>
+              <a:rPr lang="en-US" sz="1600" dirty="0" err="1">
+                <a:latin typeface="Arial" panose="020B0604020202020204" pitchFamily="34" charset="0"/>
+                <a:cs typeface="Arial" panose="020B0604020202020204" pitchFamily="34" charset="0"/>
+              </a:rPr>
               <a:t>até</a:t>
             </a:r>
             <a:r>
-              <a:rPr lang="en-US" sz="1600" dirty="0"/>
+              <a:rPr lang="en-US" sz="1600" dirty="0">
+                <a:latin typeface="Arial" panose="020B0604020202020204" pitchFamily="34" charset="0"/>
+                <a:cs typeface="Arial" panose="020B0604020202020204" pitchFamily="34" charset="0"/>
+              </a:rPr>
               <a:t> </a:t>
             </a:r>
             <a:r>
-              <a:rPr lang="en-US" sz="1600" dirty="0" err="1"/>
+              <a:rPr lang="en-US" sz="1600" dirty="0" err="1">
+                <a:latin typeface="Arial" panose="020B0604020202020204" pitchFamily="34" charset="0"/>
+                <a:cs typeface="Arial" panose="020B0604020202020204" pitchFamily="34" charset="0"/>
+              </a:rPr>
               <a:t>mesmo</a:t>
             </a:r>
             <a:r>
-              <a:rPr lang="en-US" sz="1600" dirty="0"/>
+              <a:rPr lang="en-US" sz="1600" dirty="0">
+                <a:latin typeface="Arial" panose="020B0604020202020204" pitchFamily="34" charset="0"/>
+                <a:cs typeface="Arial" panose="020B0604020202020204" pitchFamily="34" charset="0"/>
+              </a:rPr>
               <a:t> por </a:t>
             </a:r>
             <a:r>
-              <a:rPr lang="en-US" sz="1600" dirty="0" err="1"/>
+              <a:rPr lang="en-US" sz="1600" dirty="0" err="1">
+                <a:latin typeface="Arial" panose="020B0604020202020204" pitchFamily="34" charset="0"/>
+                <a:cs typeface="Arial" panose="020B0604020202020204" pitchFamily="34" charset="0"/>
+              </a:rPr>
               <a:t>uma</a:t>
             </a:r>
             <a:r>
-              <a:rPr lang="en-US" sz="1600" dirty="0"/>
+              <a:rPr lang="en-US" sz="1600" dirty="0">
+                <a:latin typeface="Arial" panose="020B0604020202020204" pitchFamily="34" charset="0"/>
+                <a:cs typeface="Arial" panose="020B0604020202020204" pitchFamily="34" charset="0"/>
+              </a:rPr>
               <a:t> </a:t>
             </a:r>
             <a:r>
-              <a:rPr lang="en-US" sz="1600" dirty="0" err="1"/>
+              <a:rPr lang="en-US" sz="1600" dirty="0" err="1">
+                <a:latin typeface="Arial" panose="020B0604020202020204" pitchFamily="34" charset="0"/>
+                <a:cs typeface="Arial" panose="020B0604020202020204" pitchFamily="34" charset="0"/>
+              </a:rPr>
               <a:t>média</a:t>
             </a:r>
             <a:r>
-              <a:rPr lang="en-US" sz="1600" dirty="0"/>
+              <a:rPr lang="en-US" sz="1600" dirty="0">
+                <a:latin typeface="Arial" panose="020B0604020202020204" pitchFamily="34" charset="0"/>
+                <a:cs typeface="Arial" panose="020B0604020202020204" pitchFamily="34" charset="0"/>
+              </a:rPr>
               <a:t> das </a:t>
             </a:r>
             <a:r>
-              <a:rPr lang="en-US" sz="1600" dirty="0" err="1"/>
+              <a:rPr lang="en-US" sz="1600" dirty="0" err="1">
+                <a:latin typeface="Arial" panose="020B0604020202020204" pitchFamily="34" charset="0"/>
+                <a:cs typeface="Arial" panose="020B0604020202020204" pitchFamily="34" charset="0"/>
+              </a:rPr>
               <a:t>últimas</a:t>
             </a:r>
             <a:r>
-              <a:rPr lang="en-US" sz="1600" dirty="0"/>
+              <a:rPr lang="en-US" sz="1600" dirty="0">
+                <a:latin typeface="Arial" panose="020B0604020202020204" pitchFamily="34" charset="0"/>
+                <a:cs typeface="Arial" panose="020B0604020202020204" pitchFamily="34" charset="0"/>
+              </a:rPr>
               <a:t> horas. </a:t>
             </a:r>
           </a:p>
@@ -8852,11 +9622,11 @@
   <p:clrMapOvr>
     <a:masterClrMapping/>
   </p:clrMapOvr>
-  <mc:AlternateContent xmlns:mc="http://schemas.openxmlformats.org/markup-compatibility/2006">
-    <mc:Choice xmlns:p14="http://schemas.microsoft.com/office/powerpoint/2010/main" Requires="p14">
+  <mc:AlternateContent xmlns:mc="http://schemas.openxmlformats.org/markup-compatibility/2006" xmlns:p14="http://schemas.microsoft.com/office/powerpoint/2010/main">
+    <mc:Choice Requires="p14">
       <p:transition p14:dur="0"/>
     </mc:Choice>
-    <mc:Fallback>
+    <mc:Fallback xmlns="">
       <p:transition/>
     </mc:Fallback>
   </mc:AlternateContent>
@@ -8907,7 +9677,10 @@
           <a:lstStyle/>
           <a:p>
             <a:r>
-              <a:rPr lang="pt-BR" dirty="0"/>
+              <a:rPr lang="pt-BR" dirty="0">
+                <a:latin typeface="Times New Roman" panose="02020603050405020304" pitchFamily="18" charset="0"/>
+                <a:cs typeface="Times New Roman" panose="02020603050405020304" pitchFamily="18" charset="0"/>
+              </a:rPr>
               <a:t>Nossa Empresa</a:t>
             </a:r>
           </a:p>
@@ -8940,8 +9713,17 @@
           <a:lstStyle/>
           <a:p>
             <a:r>
-              <a:rPr lang="pt-BR" dirty="0"/>
-              <a:t>valores</a:t>
+              <a:rPr lang="pt-BR" dirty="0">
+                <a:solidFill>
+                  <a:schemeClr val="tx1">
+                    <a:lumMod val="75000"/>
+                    <a:lumOff val="25000"/>
+                  </a:schemeClr>
+                </a:solidFill>
+                <a:latin typeface="Times New Roman" panose="02020603050405020304" pitchFamily="18" charset="0"/>
+                <a:cs typeface="Times New Roman" panose="02020603050405020304" pitchFamily="18" charset="0"/>
+              </a:rPr>
+              <a:t>Valores</a:t>
             </a:r>
           </a:p>
         </p:txBody>
@@ -9051,8 +9833,12 @@
           </a:bodyPr>
           <a:lstStyle/>
           <a:p>
-            <a:r>
-              <a:rPr lang="pt-BR" sz="1100" dirty="0"/>
+            <a:pPr algn="ctr"/>
+            <a:r>
+              <a:rPr lang="pt-BR" sz="1100" dirty="0">
+                <a:latin typeface="Times New Roman" panose="02020603050405020304" pitchFamily="18" charset="0"/>
+                <a:cs typeface="Times New Roman" panose="02020603050405020304" pitchFamily="18" charset="0"/>
+              </a:rPr>
               <a:t>Criatividade: somos norteados pelo pensamento criativo, pensamos diferentes para criar soluções diferentes.</a:t>
             </a:r>
           </a:p>
@@ -9086,8 +9872,12 @@
           </a:bodyPr>
           <a:lstStyle/>
           <a:p>
-            <a:r>
-              <a:rPr lang="pt-BR" sz="1100" dirty="0"/>
+            <a:pPr algn="ctr"/>
+            <a:r>
+              <a:rPr lang="pt-BR" sz="1100" dirty="0">
+                <a:latin typeface="Times New Roman" panose="02020603050405020304" pitchFamily="18" charset="0"/>
+                <a:cs typeface="Times New Roman" panose="02020603050405020304" pitchFamily="18" charset="0"/>
+              </a:rPr>
               <a:t>Eficiência: Excelência máxima, esforço mínimo.</a:t>
             </a:r>
           </a:p>
@@ -9158,8 +9948,12 @@
           </a:bodyPr>
           <a:lstStyle/>
           <a:p>
-            <a:r>
-              <a:rPr lang="pt-BR" sz="1100" dirty="0"/>
+            <a:pPr algn="ctr"/>
+            <a:r>
+              <a:rPr lang="pt-BR" sz="1100" dirty="0">
+                <a:latin typeface="Times New Roman" panose="02020603050405020304" pitchFamily="18" charset="0"/>
+                <a:cs typeface="Times New Roman" panose="02020603050405020304" pitchFamily="18" charset="0"/>
+              </a:rPr>
               <a:t>A qualidade é a nossa melhor garantia da fidelidade do cliente, a nossa mais forte defesa contra a competição estrangeira e o único caminho para o crescimento e para os lucros.</a:t>
             </a:r>
           </a:p>
@@ -9175,11 +9969,11 @@
   <p:clrMapOvr>
     <a:masterClrMapping/>
   </p:clrMapOvr>
-  <mc:AlternateContent xmlns:mc="http://schemas.openxmlformats.org/markup-compatibility/2006">
-    <mc:Choice xmlns:p14="http://schemas.microsoft.com/office/powerpoint/2010/main" Requires="p14">
+  <mc:AlternateContent xmlns:mc="http://schemas.openxmlformats.org/markup-compatibility/2006" xmlns:p14="http://schemas.microsoft.com/office/powerpoint/2010/main">
+    <mc:Choice Requires="p14">
       <p:transition p14:dur="0"/>
     </mc:Choice>
-    <mc:Fallback>
+    <mc:Fallback xmlns="">
       <p:transition/>
     </mc:Fallback>
   </mc:AlternateContent>
